--- a/ppt/3.Verilog 基本语法.pptx
+++ b/ppt/3.Verilog 基本语法.pptx
@@ -5,10 +5,10 @@
     <p:sldMasterId id="2147483660" r:id="rId1"/>
   </p:sldMasterIdLst>
   <p:notesMasterIdLst>
-    <p:notesMasterId r:id="rId41"/>
+    <p:notesMasterId r:id="rId42"/>
   </p:notesMasterIdLst>
   <p:sldIdLst>
-    <p:sldId id="256" r:id="rId2"/>
+    <p:sldId id="295" r:id="rId2"/>
     <p:sldId id="273" r:id="rId3"/>
     <p:sldId id="274" r:id="rId4"/>
     <p:sldId id="275" r:id="rId5"/>
@@ -34,19 +34,20 @@
     <p:sldId id="294" r:id="rId25"/>
     <p:sldId id="288" r:id="rId26"/>
     <p:sldId id="289" r:id="rId27"/>
-    <p:sldId id="290" r:id="rId28"/>
-    <p:sldId id="291" r:id="rId29"/>
-    <p:sldId id="292" r:id="rId30"/>
-    <p:sldId id="293" r:id="rId31"/>
-    <p:sldId id="264" r:id="rId32"/>
-    <p:sldId id="265" r:id="rId33"/>
-    <p:sldId id="266" r:id="rId34"/>
-    <p:sldId id="267" r:id="rId35"/>
-    <p:sldId id="268" r:id="rId36"/>
-    <p:sldId id="269" r:id="rId37"/>
-    <p:sldId id="270" r:id="rId38"/>
-    <p:sldId id="271" r:id="rId39"/>
-    <p:sldId id="272" r:id="rId40"/>
+    <p:sldId id="296" r:id="rId28"/>
+    <p:sldId id="290" r:id="rId29"/>
+    <p:sldId id="291" r:id="rId30"/>
+    <p:sldId id="292" r:id="rId31"/>
+    <p:sldId id="293" r:id="rId32"/>
+    <p:sldId id="264" r:id="rId33"/>
+    <p:sldId id="265" r:id="rId34"/>
+    <p:sldId id="266" r:id="rId35"/>
+    <p:sldId id="267" r:id="rId36"/>
+    <p:sldId id="268" r:id="rId37"/>
+    <p:sldId id="269" r:id="rId38"/>
+    <p:sldId id="270" r:id="rId39"/>
+    <p:sldId id="271" r:id="rId40"/>
+    <p:sldId id="272" r:id="rId41"/>
   </p:sldIdLst>
   <p:sldSz cx="9144000" cy="6858000" type="screen4x3"/>
   <p:notesSz cx="6858000" cy="9144000"/>
@@ -177,7 +178,7 @@
   </p:defaultTextStyle>
   <p:extLst>
     <p:ext uri="{EFAFB233-063F-42B5-8137-9DF3F51BA10A}">
-      <p15:sldGuideLst xmlns:p15="http://schemas.microsoft.com/office/powerpoint/2012/main"/>
+      <p15:sldGuideLst xmlns="" xmlns:p15="http://schemas.microsoft.com/office/powerpoint/2012/main"/>
     </p:ext>
   </p:extLst>
 </p:presentation>
@@ -265,7 +266,7 @@
           <a:p>
             <a:fld id="{1C216A71-8CF5-46E2-B474-E547C6E5363C}" type="datetimeFigureOut">
               <a:rPr lang="zh-CN" altLang="en-US" smtClean="0"/>
-              <a:t>2019-9-16</a:t>
+              <a:t>2019/9/27</a:t>
             </a:fld>
             <a:endParaRPr lang="zh-CN" altLang="en-US"/>
           </a:p>
@@ -3414,7 +3415,7 @@
           <p:cNvPr id="2" name="标题 1">
             <a:extLst>
               <a:ext uri="{FF2B5EF4-FFF2-40B4-BE49-F238E27FC236}">
-                <a16:creationId xmlns:a16="http://schemas.microsoft.com/office/drawing/2014/main" id="{BCBC9B78-9FB1-4080-ADDA-0D7E30ADADA9}"/>
+                <a16:creationId xmlns:a16="http://schemas.microsoft.com/office/drawing/2014/main" xmlns="" id="{6ABB3EF3-ED44-4787-BE1B-F397804B05B3}"/>
               </a:ext>
             </a:extLst>
           </p:cNvPr>
@@ -3432,7 +3433,7 @@
           <a:p>
             <a:r>
               <a:rPr lang="zh-CN" altLang="en-US" dirty="0"/>
-              <a:t>计算机组成原理实验</a:t>
+              <a:t>数字逻辑实验</a:t>
             </a:r>
           </a:p>
         </p:txBody>
@@ -3442,7 +3443,7 @@
           <p:cNvPr id="3" name="副标题 2">
             <a:extLst>
               <a:ext uri="{FF2B5EF4-FFF2-40B4-BE49-F238E27FC236}">
-                <a16:creationId xmlns:a16="http://schemas.microsoft.com/office/drawing/2014/main" id="{C941350A-5CC0-490F-A904-957AD45DDF22}"/>
+                <a16:creationId xmlns:a16="http://schemas.microsoft.com/office/drawing/2014/main" xmlns="" id="{4327CF54-986B-4801-90CB-FF8262015CC1}"/>
               </a:ext>
             </a:extLst>
           </p:cNvPr>
@@ -3468,13 +3469,20 @@
     </p:spTree>
     <p:extLst>
       <p:ext uri="{BB962C8B-B14F-4D97-AF65-F5344CB8AC3E}">
-        <p14:creationId xmlns:p14="http://schemas.microsoft.com/office/powerpoint/2010/main" val="700533695"/>
+        <p14:creationId xmlns:p14="http://schemas.microsoft.com/office/powerpoint/2010/main" val="774564454"/>
       </p:ext>
     </p:extLst>
   </p:cSld>
   <p:clrMapOvr>
     <a:masterClrMapping/>
   </p:clrMapOvr>
+  <p:timing>
+    <p:tnLst>
+      <p:par>
+        <p:cTn id="1" dur="indefinite" restart="never" nodeType="tmRoot"/>
+      </p:par>
+    </p:tnLst>
+  </p:timing>
 </p:sld>
 </file>
 
@@ -3500,7 +3508,7 @@
           <p:cNvPr id="2" name="标题 1">
             <a:extLst>
               <a:ext uri="{FF2B5EF4-FFF2-40B4-BE49-F238E27FC236}">
-                <a16:creationId xmlns:a16="http://schemas.microsoft.com/office/drawing/2014/main" id="{5E4255AF-C734-40A2-A87D-0BBC3D663EEF}"/>
+                <a16:creationId xmlns="" xmlns:a16="http://schemas.microsoft.com/office/drawing/2014/main" id="{5E4255AF-C734-40A2-A87D-0BBC3D663EEF}"/>
               </a:ext>
             </a:extLst>
           </p:cNvPr>
@@ -3528,7 +3536,7 @@
           <p:cNvPr id="3" name="内容占位符 2">
             <a:extLst>
               <a:ext uri="{FF2B5EF4-FFF2-40B4-BE49-F238E27FC236}">
-                <a16:creationId xmlns:a16="http://schemas.microsoft.com/office/drawing/2014/main" id="{D525AF91-57E2-4D97-8EEC-34D332000024}"/>
+                <a16:creationId xmlns="" xmlns:a16="http://schemas.microsoft.com/office/drawing/2014/main" id="{D525AF91-57E2-4D97-8EEC-34D332000024}"/>
               </a:ext>
             </a:extLst>
           </p:cNvPr>
@@ -3684,7 +3692,7 @@
           <p:cNvPr id="2" name="标题 1">
             <a:extLst>
               <a:ext uri="{FF2B5EF4-FFF2-40B4-BE49-F238E27FC236}">
-                <a16:creationId xmlns:a16="http://schemas.microsoft.com/office/drawing/2014/main" id="{3F5DD08E-BFB2-4357-846E-DF4755AE3E87}"/>
+                <a16:creationId xmlns="" xmlns:a16="http://schemas.microsoft.com/office/drawing/2014/main" id="{3F5DD08E-BFB2-4357-846E-DF4755AE3E87}"/>
               </a:ext>
             </a:extLst>
           </p:cNvPr>
@@ -3712,7 +3720,7 @@
           <p:cNvPr id="3" name="内容占位符 2">
             <a:extLst>
               <a:ext uri="{FF2B5EF4-FFF2-40B4-BE49-F238E27FC236}">
-                <a16:creationId xmlns:a16="http://schemas.microsoft.com/office/drawing/2014/main" id="{254E1AF5-CEED-430E-8497-ACC21176714C}"/>
+                <a16:creationId xmlns="" xmlns:a16="http://schemas.microsoft.com/office/drawing/2014/main" id="{254E1AF5-CEED-430E-8497-ACC21176714C}"/>
               </a:ext>
             </a:extLst>
           </p:cNvPr>
@@ -3812,7 +3820,7 @@
           <p:cNvPr id="2" name="标题 1">
             <a:extLst>
               <a:ext uri="{FF2B5EF4-FFF2-40B4-BE49-F238E27FC236}">
-                <a16:creationId xmlns:a16="http://schemas.microsoft.com/office/drawing/2014/main" id="{CBBD116F-9388-429A-B052-8EEE9DFB5512}"/>
+                <a16:creationId xmlns="" xmlns:a16="http://schemas.microsoft.com/office/drawing/2014/main" id="{CBBD116F-9388-429A-B052-8EEE9DFB5512}"/>
               </a:ext>
             </a:extLst>
           </p:cNvPr>
@@ -3840,7 +3848,7 @@
           <p:cNvPr id="3" name="内容占位符 2">
             <a:extLst>
               <a:ext uri="{FF2B5EF4-FFF2-40B4-BE49-F238E27FC236}">
-                <a16:creationId xmlns:a16="http://schemas.microsoft.com/office/drawing/2014/main" id="{AFF33A35-AD22-4167-AE09-22E15D82435A}"/>
+                <a16:creationId xmlns="" xmlns:a16="http://schemas.microsoft.com/office/drawing/2014/main" id="{AFF33A35-AD22-4167-AE09-22E15D82435A}"/>
               </a:ext>
             </a:extLst>
           </p:cNvPr>
@@ -3916,7 +3924,7 @@
           <p:cNvPr id="2" name="标题 1">
             <a:extLst>
               <a:ext uri="{FF2B5EF4-FFF2-40B4-BE49-F238E27FC236}">
-                <a16:creationId xmlns:a16="http://schemas.microsoft.com/office/drawing/2014/main" id="{8EC1F79C-4803-44C1-AB1D-9C685B1BB369}"/>
+                <a16:creationId xmlns="" xmlns:a16="http://schemas.microsoft.com/office/drawing/2014/main" id="{8EC1F79C-4803-44C1-AB1D-9C685B1BB369}"/>
               </a:ext>
             </a:extLst>
           </p:cNvPr>
@@ -3945,7 +3953,7 @@
           <p:cNvPr id="3" name="内容占位符 2">
             <a:extLst>
               <a:ext uri="{FF2B5EF4-FFF2-40B4-BE49-F238E27FC236}">
-                <a16:creationId xmlns:a16="http://schemas.microsoft.com/office/drawing/2014/main" id="{EEF27C03-DA72-47AB-8686-BCD9D514307C}"/>
+                <a16:creationId xmlns="" xmlns:a16="http://schemas.microsoft.com/office/drawing/2014/main" id="{EEF27C03-DA72-47AB-8686-BCD9D514307C}"/>
               </a:ext>
             </a:extLst>
           </p:cNvPr>
@@ -4088,7 +4096,7 @@
           <p:cNvPr id="4" name="对话气泡: 圆角矩形 3">
             <a:extLst>
               <a:ext uri="{FF2B5EF4-FFF2-40B4-BE49-F238E27FC236}">
-                <a16:creationId xmlns:a16="http://schemas.microsoft.com/office/drawing/2014/main" id="{2F28405F-88D9-4345-B324-E8C71553713E}"/>
+                <a16:creationId xmlns="" xmlns:a16="http://schemas.microsoft.com/office/drawing/2014/main" id="{2F28405F-88D9-4345-B324-E8C71553713E}"/>
               </a:ext>
             </a:extLst>
           </p:cNvPr>
@@ -4215,6 +4223,14 @@
   <p:clrMapOvr>
     <a:masterClrMapping/>
   </p:clrMapOvr>
+  <mc:AlternateContent xmlns:mc="http://schemas.openxmlformats.org/markup-compatibility/2006" xmlns:p14="http://schemas.microsoft.com/office/powerpoint/2010/main">
+    <mc:Choice Requires="p14">
+      <p:transition spd="slow" p14:dur="2000"/>
+    </mc:Choice>
+    <mc:Fallback xmlns="">
+      <p:transition spd="slow"/>
+    </mc:Fallback>
+  </mc:AlternateContent>
 </p:sld>
 </file>
 
@@ -4240,7 +4256,7 @@
           <p:cNvPr id="2" name="标题 1">
             <a:extLst>
               <a:ext uri="{FF2B5EF4-FFF2-40B4-BE49-F238E27FC236}">
-                <a16:creationId xmlns:a16="http://schemas.microsoft.com/office/drawing/2014/main" id="{A8BB8085-BF1D-49B2-BA89-DA7162B8FEDF}"/>
+                <a16:creationId xmlns="" xmlns:a16="http://schemas.microsoft.com/office/drawing/2014/main" id="{A8BB8085-BF1D-49B2-BA89-DA7162B8FEDF}"/>
               </a:ext>
             </a:extLst>
           </p:cNvPr>
@@ -4269,7 +4285,7 @@
           <p:cNvPr id="4" name="图片 3">
             <a:extLst>
               <a:ext uri="{FF2B5EF4-FFF2-40B4-BE49-F238E27FC236}">
-                <a16:creationId xmlns:a16="http://schemas.microsoft.com/office/drawing/2014/main" id="{78F9B76D-4C01-4C8F-8459-93B7E05DDB86}"/>
+                <a16:creationId xmlns="" xmlns:a16="http://schemas.microsoft.com/office/drawing/2014/main" id="{78F9B76D-4C01-4C8F-8459-93B7E05DDB86}"/>
               </a:ext>
             </a:extLst>
           </p:cNvPr>
@@ -4304,6 +4320,14 @@
   <p:clrMapOvr>
     <a:masterClrMapping/>
   </p:clrMapOvr>
+  <mc:AlternateContent xmlns:mc="http://schemas.openxmlformats.org/markup-compatibility/2006" xmlns:p14="http://schemas.microsoft.com/office/powerpoint/2010/main">
+    <mc:Choice Requires="p14">
+      <p:transition spd="slow" p14:dur="2000"/>
+    </mc:Choice>
+    <mc:Fallback xmlns="">
+      <p:transition spd="slow"/>
+    </mc:Fallback>
+  </mc:AlternateContent>
 </p:sld>
 </file>
 
@@ -4329,7 +4353,7 @@
           <p:cNvPr id="2" name="标题 1">
             <a:extLst>
               <a:ext uri="{FF2B5EF4-FFF2-40B4-BE49-F238E27FC236}">
-                <a16:creationId xmlns:a16="http://schemas.microsoft.com/office/drawing/2014/main" id="{FA51A002-F5B2-4166-A510-981CC336C74A}"/>
+                <a16:creationId xmlns="" xmlns:a16="http://schemas.microsoft.com/office/drawing/2014/main" id="{FA51A002-F5B2-4166-A510-981CC336C74A}"/>
               </a:ext>
             </a:extLst>
           </p:cNvPr>
@@ -4358,7 +4382,7 @@
           <p:cNvPr id="3" name="内容占位符 2">
             <a:extLst>
               <a:ext uri="{FF2B5EF4-FFF2-40B4-BE49-F238E27FC236}">
-                <a16:creationId xmlns:a16="http://schemas.microsoft.com/office/drawing/2014/main" id="{F91CF795-B356-4F15-89CA-F9A13E964F71}"/>
+                <a16:creationId xmlns="" xmlns:a16="http://schemas.microsoft.com/office/drawing/2014/main" id="{F91CF795-B356-4F15-89CA-F9A13E964F71}"/>
               </a:ext>
             </a:extLst>
           </p:cNvPr>
@@ -4646,6 +4670,14 @@
   <p:clrMapOvr>
     <a:masterClrMapping/>
   </p:clrMapOvr>
+  <mc:AlternateContent xmlns:mc="http://schemas.openxmlformats.org/markup-compatibility/2006" xmlns:p14="http://schemas.microsoft.com/office/powerpoint/2010/main">
+    <mc:Choice Requires="p14">
+      <p:transition spd="slow" p14:dur="2000"/>
+    </mc:Choice>
+    <mc:Fallback xmlns="">
+      <p:transition spd="slow"/>
+    </mc:Fallback>
+  </mc:AlternateContent>
 </p:sld>
 </file>
 
@@ -4671,7 +4703,7 @@
           <p:cNvPr id="2" name="标题 1">
             <a:extLst>
               <a:ext uri="{FF2B5EF4-FFF2-40B4-BE49-F238E27FC236}">
-                <a16:creationId xmlns:a16="http://schemas.microsoft.com/office/drawing/2014/main" id="{96AF9C81-0350-413D-B0BD-C543377019E4}"/>
+                <a16:creationId xmlns="" xmlns:a16="http://schemas.microsoft.com/office/drawing/2014/main" id="{96AF9C81-0350-413D-B0BD-C543377019E4}"/>
               </a:ext>
             </a:extLst>
           </p:cNvPr>
@@ -4700,7 +4732,7 @@
           <p:cNvPr id="6" name="表格 5">
             <a:extLst>
               <a:ext uri="{FF2B5EF4-FFF2-40B4-BE49-F238E27FC236}">
-                <a16:creationId xmlns:a16="http://schemas.microsoft.com/office/drawing/2014/main" id="{9EE72931-1A21-4751-814E-663307F0ACA1}"/>
+                <a16:creationId xmlns="" xmlns:a16="http://schemas.microsoft.com/office/drawing/2014/main" id="{9EE72931-1A21-4751-814E-663307F0ACA1}"/>
               </a:ext>
             </a:extLst>
           </p:cNvPr>
@@ -4729,14 +4761,14 @@
                 <a:gridCol w="2192784">
                   <a:extLst>
                     <a:ext uri="{9D8B030D-6E8A-4147-A177-3AD203B41FA5}">
-                      <a16:colId xmlns:a16="http://schemas.microsoft.com/office/drawing/2014/main" val="630663091"/>
+                      <a16:colId xmlns="" xmlns:a16="http://schemas.microsoft.com/office/drawing/2014/main" val="630663091"/>
                     </a:ext>
                   </a:extLst>
                 </a:gridCol>
                 <a:gridCol w="6782540">
                   <a:extLst>
                     <a:ext uri="{9D8B030D-6E8A-4147-A177-3AD203B41FA5}">
-                      <a16:colId xmlns:a16="http://schemas.microsoft.com/office/drawing/2014/main" val="3776593067"/>
+                      <a16:colId xmlns="" xmlns:a16="http://schemas.microsoft.com/office/drawing/2014/main" val="3776593067"/>
                     </a:ext>
                   </a:extLst>
                 </a:gridCol>
@@ -4772,7 +4804,7 @@
                 </a:tc>
                 <a:extLst>
                   <a:ext uri="{0D108BD9-81ED-4DB2-BD59-A6C34878D82A}">
-                    <a16:rowId xmlns:a16="http://schemas.microsoft.com/office/drawing/2014/main" val="1125846798"/>
+                    <a16:rowId xmlns="" xmlns:a16="http://schemas.microsoft.com/office/drawing/2014/main" val="1125846798"/>
                   </a:ext>
                 </a:extLst>
               </a:tr>
@@ -4843,7 +4875,7 @@
                 </a:tc>
                 <a:extLst>
                   <a:ext uri="{0D108BD9-81ED-4DB2-BD59-A6C34878D82A}">
-                    <a16:rowId xmlns:a16="http://schemas.microsoft.com/office/drawing/2014/main" val="592995152"/>
+                    <a16:rowId xmlns="" xmlns:a16="http://schemas.microsoft.com/office/drawing/2014/main" val="592995152"/>
                   </a:ext>
                 </a:extLst>
               </a:tr>
@@ -4892,7 +4924,7 @@
                 </a:tc>
                 <a:extLst>
                   <a:ext uri="{0D108BD9-81ED-4DB2-BD59-A6C34878D82A}">
-                    <a16:rowId xmlns:a16="http://schemas.microsoft.com/office/drawing/2014/main" val="305676347"/>
+                    <a16:rowId xmlns="" xmlns:a16="http://schemas.microsoft.com/office/drawing/2014/main" val="305676347"/>
                   </a:ext>
                 </a:extLst>
               </a:tr>
@@ -4941,7 +4973,7 @@
                 </a:tc>
                 <a:extLst>
                   <a:ext uri="{0D108BD9-81ED-4DB2-BD59-A6C34878D82A}">
-                    <a16:rowId xmlns:a16="http://schemas.microsoft.com/office/drawing/2014/main" val="407760055"/>
+                    <a16:rowId xmlns="" xmlns:a16="http://schemas.microsoft.com/office/drawing/2014/main" val="407760055"/>
                   </a:ext>
                 </a:extLst>
               </a:tr>
@@ -4990,7 +5022,7 @@
                 </a:tc>
                 <a:extLst>
                   <a:ext uri="{0D108BD9-81ED-4DB2-BD59-A6C34878D82A}">
-                    <a16:rowId xmlns:a16="http://schemas.microsoft.com/office/drawing/2014/main" val="364608201"/>
+                    <a16:rowId xmlns="" xmlns:a16="http://schemas.microsoft.com/office/drawing/2014/main" val="364608201"/>
                   </a:ext>
                 </a:extLst>
               </a:tr>
@@ -5039,7 +5071,7 @@
                 </a:tc>
                 <a:extLst>
                   <a:ext uri="{0D108BD9-81ED-4DB2-BD59-A6C34878D82A}">
-                    <a16:rowId xmlns:a16="http://schemas.microsoft.com/office/drawing/2014/main" val="1925776264"/>
+                    <a16:rowId xmlns="" xmlns:a16="http://schemas.microsoft.com/office/drawing/2014/main" val="1925776264"/>
                   </a:ext>
                 </a:extLst>
               </a:tr>
@@ -5099,7 +5131,7 @@
                 </a:tc>
                 <a:extLst>
                   <a:ext uri="{0D108BD9-81ED-4DB2-BD59-A6C34878D82A}">
-                    <a16:rowId xmlns:a16="http://schemas.microsoft.com/office/drawing/2014/main" val="579531610"/>
+                    <a16:rowId xmlns="" xmlns:a16="http://schemas.microsoft.com/office/drawing/2014/main" val="579531610"/>
                   </a:ext>
                 </a:extLst>
               </a:tr>
@@ -5163,7 +5195,7 @@
                 </a:tc>
                 <a:extLst>
                   <a:ext uri="{0D108BD9-81ED-4DB2-BD59-A6C34878D82A}">
-                    <a16:rowId xmlns:a16="http://schemas.microsoft.com/office/drawing/2014/main" val="1616873280"/>
+                    <a16:rowId xmlns="" xmlns:a16="http://schemas.microsoft.com/office/drawing/2014/main" val="1616873280"/>
                   </a:ext>
                 </a:extLst>
               </a:tr>
@@ -5206,7 +5238,7 @@
           <p:cNvPr id="2" name="标题 1">
             <a:extLst>
               <a:ext uri="{FF2B5EF4-FFF2-40B4-BE49-F238E27FC236}">
-                <a16:creationId xmlns:a16="http://schemas.microsoft.com/office/drawing/2014/main" id="{184D48AC-38C8-4E39-B18E-2B1602D7E4FD}"/>
+                <a16:creationId xmlns="" xmlns:a16="http://schemas.microsoft.com/office/drawing/2014/main" id="{184D48AC-38C8-4E39-B18E-2B1602D7E4FD}"/>
               </a:ext>
             </a:extLst>
           </p:cNvPr>
@@ -5234,7 +5266,7 @@
           <p:cNvPr id="3" name="内容占位符 2">
             <a:extLst>
               <a:ext uri="{FF2B5EF4-FFF2-40B4-BE49-F238E27FC236}">
-                <a16:creationId xmlns:a16="http://schemas.microsoft.com/office/drawing/2014/main" id="{C2EC1E61-27A8-48DD-A130-E4CEE56E6A08}"/>
+                <a16:creationId xmlns="" xmlns:a16="http://schemas.microsoft.com/office/drawing/2014/main" id="{C2EC1E61-27A8-48DD-A130-E4CEE56E6A08}"/>
               </a:ext>
             </a:extLst>
           </p:cNvPr>
@@ -5527,7 +5559,7 @@
           <p:cNvPr id="2" name="标题 1">
             <a:extLst>
               <a:ext uri="{FF2B5EF4-FFF2-40B4-BE49-F238E27FC236}">
-                <a16:creationId xmlns:a16="http://schemas.microsoft.com/office/drawing/2014/main" id="{AB398DF0-9C50-4431-AED6-F7E620628C52}"/>
+                <a16:creationId xmlns="" xmlns:a16="http://schemas.microsoft.com/office/drawing/2014/main" id="{AB398DF0-9C50-4431-AED6-F7E620628C52}"/>
               </a:ext>
             </a:extLst>
           </p:cNvPr>
@@ -5555,7 +5587,7 @@
           <p:cNvPr id="3" name="内容占位符 2">
             <a:extLst>
               <a:ext uri="{FF2B5EF4-FFF2-40B4-BE49-F238E27FC236}">
-                <a16:creationId xmlns:a16="http://schemas.microsoft.com/office/drawing/2014/main" id="{0C626CD0-5F84-4684-AD44-093A17D0FD2A}"/>
+                <a16:creationId xmlns="" xmlns:a16="http://schemas.microsoft.com/office/drawing/2014/main" id="{0C626CD0-5F84-4684-AD44-093A17D0FD2A}"/>
               </a:ext>
             </a:extLst>
           </p:cNvPr>
@@ -5756,7 +5788,7 @@
           <p:cNvPr id="2" name="标题 1">
             <a:extLst>
               <a:ext uri="{FF2B5EF4-FFF2-40B4-BE49-F238E27FC236}">
-                <a16:creationId xmlns:a16="http://schemas.microsoft.com/office/drawing/2014/main" id="{F9936417-2984-499C-BB47-33C533CCB012}"/>
+                <a16:creationId xmlns="" xmlns:a16="http://schemas.microsoft.com/office/drawing/2014/main" id="{F9936417-2984-499C-BB47-33C533CCB012}"/>
               </a:ext>
             </a:extLst>
           </p:cNvPr>
@@ -5789,7 +5821,7 @@
           <p:cNvPr id="3" name="内容占位符 2">
             <a:extLst>
               <a:ext uri="{FF2B5EF4-FFF2-40B4-BE49-F238E27FC236}">
-                <a16:creationId xmlns:a16="http://schemas.microsoft.com/office/drawing/2014/main" id="{6A851205-D2B8-4A3E-ADA1-7076D2D3BD90}"/>
+                <a16:creationId xmlns="" xmlns:a16="http://schemas.microsoft.com/office/drawing/2014/main" id="{6A851205-D2B8-4A3E-ADA1-7076D2D3BD90}"/>
               </a:ext>
             </a:extLst>
           </p:cNvPr>
@@ -5975,7 +6007,7 @@
           <p:cNvPr id="2" name="标题 1">
             <a:extLst>
               <a:ext uri="{FF2B5EF4-FFF2-40B4-BE49-F238E27FC236}">
-                <a16:creationId xmlns:a16="http://schemas.microsoft.com/office/drawing/2014/main" id="{6FE358A8-01DF-41D6-9017-BFC5893B6A25}"/>
+                <a16:creationId xmlns="" xmlns:a16="http://schemas.microsoft.com/office/drawing/2014/main" id="{6FE358A8-01DF-41D6-9017-BFC5893B6A25}"/>
               </a:ext>
             </a:extLst>
           </p:cNvPr>
@@ -6003,7 +6035,7 @@
           <p:cNvPr id="3" name="内容占位符 2">
             <a:extLst>
               <a:ext uri="{FF2B5EF4-FFF2-40B4-BE49-F238E27FC236}">
-                <a16:creationId xmlns:a16="http://schemas.microsoft.com/office/drawing/2014/main" id="{7F4B1E09-C843-4F9F-BA2F-D4F8BD951DF7}"/>
+                <a16:creationId xmlns="" xmlns:a16="http://schemas.microsoft.com/office/drawing/2014/main" id="{7F4B1E09-C843-4F9F-BA2F-D4F8BD951DF7}"/>
               </a:ext>
             </a:extLst>
           </p:cNvPr>
@@ -6102,6 +6134,13 @@
   <p:clrMapOvr>
     <a:masterClrMapping/>
   </p:clrMapOvr>
+  <p:timing>
+    <p:tnLst>
+      <p:par>
+        <p:cTn id="1" dur="indefinite" restart="never" nodeType="tmRoot"/>
+      </p:par>
+    </p:tnLst>
+  </p:timing>
 </p:sld>
 </file>
 
@@ -6127,7 +6166,7 @@
           <p:cNvPr id="2" name="标题 1">
             <a:extLst>
               <a:ext uri="{FF2B5EF4-FFF2-40B4-BE49-F238E27FC236}">
-                <a16:creationId xmlns:a16="http://schemas.microsoft.com/office/drawing/2014/main" id="{45C34170-3A9F-466C-B0B0-EF48B7B082ED}"/>
+                <a16:creationId xmlns="" xmlns:a16="http://schemas.microsoft.com/office/drawing/2014/main" id="{45C34170-3A9F-466C-B0B0-EF48B7B082ED}"/>
               </a:ext>
             </a:extLst>
           </p:cNvPr>
@@ -6155,7 +6194,7 @@
           <p:cNvPr id="3" name="内容占位符 2">
             <a:extLst>
               <a:ext uri="{FF2B5EF4-FFF2-40B4-BE49-F238E27FC236}">
-                <a16:creationId xmlns:a16="http://schemas.microsoft.com/office/drawing/2014/main" id="{EA4D1509-9F6E-4475-A003-2C96C6AFC3B0}"/>
+                <a16:creationId xmlns="" xmlns:a16="http://schemas.microsoft.com/office/drawing/2014/main" id="{EA4D1509-9F6E-4475-A003-2C96C6AFC3B0}"/>
               </a:ext>
             </a:extLst>
           </p:cNvPr>
@@ -6265,7 +6304,7 @@
           <p:cNvPr id="2" name="标题 1">
             <a:extLst>
               <a:ext uri="{FF2B5EF4-FFF2-40B4-BE49-F238E27FC236}">
-                <a16:creationId xmlns:a16="http://schemas.microsoft.com/office/drawing/2014/main" id="{D4780FB1-C132-4CCE-9150-E9DEE32EB7D8}"/>
+                <a16:creationId xmlns="" xmlns:a16="http://schemas.microsoft.com/office/drawing/2014/main" id="{D4780FB1-C132-4CCE-9150-E9DEE32EB7D8}"/>
               </a:ext>
             </a:extLst>
           </p:cNvPr>
@@ -6293,7 +6332,7 @@
           <p:cNvPr id="6" name="表格 6">
             <a:extLst>
               <a:ext uri="{FF2B5EF4-FFF2-40B4-BE49-F238E27FC236}">
-                <a16:creationId xmlns:a16="http://schemas.microsoft.com/office/drawing/2014/main" id="{BD961250-E3EF-46A3-AF0A-B3533DFD5E0B}"/>
+                <a16:creationId xmlns="" xmlns:a16="http://schemas.microsoft.com/office/drawing/2014/main" id="{BD961250-E3EF-46A3-AF0A-B3533DFD5E0B}"/>
               </a:ext>
             </a:extLst>
           </p:cNvPr>
@@ -6323,14 +6362,14 @@
                 <a:gridCol w="4133850">
                   <a:extLst>
                     <a:ext uri="{9D8B030D-6E8A-4147-A177-3AD203B41FA5}">
-                      <a16:colId xmlns:a16="http://schemas.microsoft.com/office/drawing/2014/main" val="2904274956"/>
+                      <a16:colId xmlns="" xmlns:a16="http://schemas.microsoft.com/office/drawing/2014/main" val="2904274956"/>
                     </a:ext>
                   </a:extLst>
                 </a:gridCol>
                 <a:gridCol w="4133850">
                   <a:extLst>
                     <a:ext uri="{9D8B030D-6E8A-4147-A177-3AD203B41FA5}">
-                      <a16:colId xmlns:a16="http://schemas.microsoft.com/office/drawing/2014/main" val="2252401719"/>
+                      <a16:colId xmlns="" xmlns:a16="http://schemas.microsoft.com/office/drawing/2014/main" val="2252401719"/>
                     </a:ext>
                   </a:extLst>
                 </a:gridCol>
@@ -6364,7 +6403,7 @@
                 </a:tc>
                 <a:extLst>
                   <a:ext uri="{0D108BD9-81ED-4DB2-BD59-A6C34878D82A}">
-                    <a16:rowId xmlns:a16="http://schemas.microsoft.com/office/drawing/2014/main" val="776890717"/>
+                    <a16:rowId xmlns="" xmlns:a16="http://schemas.microsoft.com/office/drawing/2014/main" val="776890717"/>
                   </a:ext>
                 </a:extLst>
               </a:tr>
@@ -6406,7 +6445,7 @@
                 </a:tc>
                 <a:extLst>
                   <a:ext uri="{0D108BD9-81ED-4DB2-BD59-A6C34878D82A}">
-                    <a16:rowId xmlns:a16="http://schemas.microsoft.com/office/drawing/2014/main" val="1285815883"/>
+                    <a16:rowId xmlns="" xmlns:a16="http://schemas.microsoft.com/office/drawing/2014/main" val="1285815883"/>
                   </a:ext>
                 </a:extLst>
               </a:tr>
@@ -6448,7 +6487,7 @@
                 </a:tc>
                 <a:extLst>
                   <a:ext uri="{0D108BD9-81ED-4DB2-BD59-A6C34878D82A}">
-                    <a16:rowId xmlns:a16="http://schemas.microsoft.com/office/drawing/2014/main" val="3299596530"/>
+                    <a16:rowId xmlns="" xmlns:a16="http://schemas.microsoft.com/office/drawing/2014/main" val="3299596530"/>
                   </a:ext>
                 </a:extLst>
               </a:tr>
@@ -6482,7 +6521,7 @@
                 </a:tc>
                 <a:extLst>
                   <a:ext uri="{0D108BD9-81ED-4DB2-BD59-A6C34878D82A}">
-                    <a16:rowId xmlns:a16="http://schemas.microsoft.com/office/drawing/2014/main" val="695305758"/>
+                    <a16:rowId xmlns="" xmlns:a16="http://schemas.microsoft.com/office/drawing/2014/main" val="695305758"/>
                   </a:ext>
                 </a:extLst>
               </a:tr>
@@ -6516,7 +6555,7 @@
                 </a:tc>
                 <a:extLst>
                   <a:ext uri="{0D108BD9-81ED-4DB2-BD59-A6C34878D82A}">
-                    <a16:rowId xmlns:a16="http://schemas.microsoft.com/office/drawing/2014/main" val="3314446784"/>
+                    <a16:rowId xmlns="" xmlns:a16="http://schemas.microsoft.com/office/drawing/2014/main" val="3314446784"/>
                   </a:ext>
                 </a:extLst>
               </a:tr>
@@ -6559,7 +6598,7 @@
           <p:cNvPr id="2" name="标题 1">
             <a:extLst>
               <a:ext uri="{FF2B5EF4-FFF2-40B4-BE49-F238E27FC236}">
-                <a16:creationId xmlns:a16="http://schemas.microsoft.com/office/drawing/2014/main" id="{89464706-8F19-45C1-B4E1-21ABE9F797B3}"/>
+                <a16:creationId xmlns="" xmlns:a16="http://schemas.microsoft.com/office/drawing/2014/main" id="{89464706-8F19-45C1-B4E1-21ABE9F797B3}"/>
               </a:ext>
             </a:extLst>
           </p:cNvPr>
@@ -6587,7 +6626,7 @@
           <p:cNvPr id="3" name="内容占位符 2">
             <a:extLst>
               <a:ext uri="{FF2B5EF4-FFF2-40B4-BE49-F238E27FC236}">
-                <a16:creationId xmlns:a16="http://schemas.microsoft.com/office/drawing/2014/main" id="{C211DB31-7B22-4911-9E51-06840DEC3E69}"/>
+                <a16:creationId xmlns="" xmlns:a16="http://schemas.microsoft.com/office/drawing/2014/main" id="{C211DB31-7B22-4911-9E51-06840DEC3E69}"/>
               </a:ext>
             </a:extLst>
           </p:cNvPr>
@@ -6759,7 +6798,7 @@
           <p:cNvPr id="2" name="标题 1">
             <a:extLst>
               <a:ext uri="{FF2B5EF4-FFF2-40B4-BE49-F238E27FC236}">
-                <a16:creationId xmlns:a16="http://schemas.microsoft.com/office/drawing/2014/main" id="{035655B3-2C3B-40EF-8A9F-63ADF0D38C0C}"/>
+                <a16:creationId xmlns="" xmlns:a16="http://schemas.microsoft.com/office/drawing/2014/main" id="{035655B3-2C3B-40EF-8A9F-63ADF0D38C0C}"/>
               </a:ext>
             </a:extLst>
           </p:cNvPr>
@@ -6787,7 +6826,7 @@
           <p:cNvPr id="3" name="内容占位符 2">
             <a:extLst>
               <a:ext uri="{FF2B5EF4-FFF2-40B4-BE49-F238E27FC236}">
-                <a16:creationId xmlns:a16="http://schemas.microsoft.com/office/drawing/2014/main" id="{BDA8B18A-1613-4E8D-AB6D-174F886EB848}"/>
+                <a16:creationId xmlns="" xmlns:a16="http://schemas.microsoft.com/office/drawing/2014/main" id="{BDA8B18A-1613-4E8D-AB6D-174F886EB848}"/>
               </a:ext>
             </a:extLst>
           </p:cNvPr>
@@ -6894,7 +6933,7 @@
           <p:cNvPr id="4" name="文本框 3">
             <a:extLst>
               <a:ext uri="{FF2B5EF4-FFF2-40B4-BE49-F238E27FC236}">
-                <a16:creationId xmlns:a16="http://schemas.microsoft.com/office/drawing/2014/main" id="{A4F97A5C-CB26-4404-A747-F40BCF55FADB}"/>
+                <a16:creationId xmlns="" xmlns:a16="http://schemas.microsoft.com/office/drawing/2014/main" id="{A4F97A5C-CB26-4404-A747-F40BCF55FADB}"/>
               </a:ext>
             </a:extLst>
           </p:cNvPr>
@@ -6978,7 +7017,7 @@
           <p:cNvPr id="2" name="标题 1">
             <a:extLst>
               <a:ext uri="{FF2B5EF4-FFF2-40B4-BE49-F238E27FC236}">
-                <a16:creationId xmlns:a16="http://schemas.microsoft.com/office/drawing/2014/main" id="{1700FBE9-2630-4071-A7D4-525A9F4164CB}"/>
+                <a16:creationId xmlns="" xmlns:a16="http://schemas.microsoft.com/office/drawing/2014/main" id="{1700FBE9-2630-4071-A7D4-525A9F4164CB}"/>
               </a:ext>
             </a:extLst>
           </p:cNvPr>
@@ -7006,7 +7045,7 @@
           <p:cNvPr id="4" name="图片 3">
             <a:extLst>
               <a:ext uri="{FF2B5EF4-FFF2-40B4-BE49-F238E27FC236}">
-                <a16:creationId xmlns:a16="http://schemas.microsoft.com/office/drawing/2014/main" id="{9C627480-F2CC-4BC2-BA24-5F2EBAE41D7E}"/>
+                <a16:creationId xmlns="" xmlns:a16="http://schemas.microsoft.com/office/drawing/2014/main" id="{9C627480-F2CC-4BC2-BA24-5F2EBAE41D7E}"/>
               </a:ext>
             </a:extLst>
           </p:cNvPr>
@@ -7066,7 +7105,7 @@
           <p:cNvPr id="2" name="标题 1">
             <a:extLst>
               <a:ext uri="{FF2B5EF4-FFF2-40B4-BE49-F238E27FC236}">
-                <a16:creationId xmlns:a16="http://schemas.microsoft.com/office/drawing/2014/main" id="{0039BA86-C465-4487-AC4E-F1EB11299581}"/>
+                <a16:creationId xmlns="" xmlns:a16="http://schemas.microsoft.com/office/drawing/2014/main" id="{0039BA86-C465-4487-AC4E-F1EB11299581}"/>
               </a:ext>
             </a:extLst>
           </p:cNvPr>
@@ -7094,7 +7133,7 @@
           <p:cNvPr id="3" name="内容占位符 2">
             <a:extLst>
               <a:ext uri="{FF2B5EF4-FFF2-40B4-BE49-F238E27FC236}">
-                <a16:creationId xmlns:a16="http://schemas.microsoft.com/office/drawing/2014/main" id="{5C0B895C-3935-4444-BF33-C2F8AF373B91}"/>
+                <a16:creationId xmlns="" xmlns:a16="http://schemas.microsoft.com/office/drawing/2014/main" id="{5C0B895C-3935-4444-BF33-C2F8AF373B91}"/>
               </a:ext>
             </a:extLst>
           </p:cNvPr>
@@ -7228,7 +7267,7 @@
           <p:cNvPr id="2" name="标题 1">
             <a:extLst>
               <a:ext uri="{FF2B5EF4-FFF2-40B4-BE49-F238E27FC236}">
-                <a16:creationId xmlns:a16="http://schemas.microsoft.com/office/drawing/2014/main" id="{68B6EB92-B3BA-4FFE-A378-926D26FCCCC6}"/>
+                <a16:creationId xmlns="" xmlns:a16="http://schemas.microsoft.com/office/drawing/2014/main" id="{68B6EB92-B3BA-4FFE-A378-926D26FCCCC6}"/>
               </a:ext>
             </a:extLst>
           </p:cNvPr>
@@ -7256,7 +7295,7 @@
           <p:cNvPr id="3" name="内容占位符 2">
             <a:extLst>
               <a:ext uri="{FF2B5EF4-FFF2-40B4-BE49-F238E27FC236}">
-                <a16:creationId xmlns:a16="http://schemas.microsoft.com/office/drawing/2014/main" id="{389B1B7C-D190-40D9-BC90-BA7961E8FA84}"/>
+                <a16:creationId xmlns="" xmlns:a16="http://schemas.microsoft.com/office/drawing/2014/main" id="{389B1B7C-D190-40D9-BC90-BA7961E8FA84}"/>
               </a:ext>
             </a:extLst>
           </p:cNvPr>
@@ -7449,13 +7488,7 @@
       </p:grpSpPr>
       <p:sp>
         <p:nvSpPr>
-          <p:cNvPr id="2" name="标题 1">
-            <a:extLst>
-              <a:ext uri="{FF2B5EF4-FFF2-40B4-BE49-F238E27FC236}">
-                <a16:creationId xmlns:a16="http://schemas.microsoft.com/office/drawing/2014/main" id="{CA330C7C-38B6-44CE-8EA9-7CE7994A056B}"/>
-              </a:ext>
-            </a:extLst>
-          </p:cNvPr>
+          <p:cNvPr id="2" name="标题 1"/>
           <p:cNvSpPr>
             <a:spLocks noGrp="1"/>
           </p:cNvSpPr>
@@ -7468,22 +7501,13 @@
           <a:bodyPr/>
           <a:lstStyle/>
           <a:p>
-            <a:r>
-              <a:rPr lang="zh-CN" altLang="en-US" dirty="0"/>
-              <a:t>整数</a:t>
-            </a:r>
-          </a:p>
-        </p:txBody>
-      </p:sp>
-      <p:sp>
-        <p:nvSpPr>
-          <p:cNvPr id="3" name="内容占位符 2">
-            <a:extLst>
-              <a:ext uri="{FF2B5EF4-FFF2-40B4-BE49-F238E27FC236}">
-                <a16:creationId xmlns:a16="http://schemas.microsoft.com/office/drawing/2014/main" id="{A6FDF91D-8E0E-4890-B143-390B20E98614}"/>
-              </a:ext>
-            </a:extLst>
-          </p:cNvPr>
+            <a:endParaRPr lang="zh-CN" altLang="en-US"/>
+          </a:p>
+        </p:txBody>
+      </p:sp>
+      <p:sp>
+        <p:nvSpPr>
+          <p:cNvPr id="3" name="内容占位符 2"/>
           <p:cNvSpPr>
             <a:spLocks noGrp="1"/>
           </p:cNvSpPr>
@@ -7496,113 +7520,14 @@
           <a:bodyPr/>
           <a:lstStyle/>
           <a:p>
-            <a:r>
-              <a:rPr lang="zh-CN" altLang="en-US" dirty="0"/>
-              <a:t>整数是一种通用的寄存器数据类型，使用</a:t>
-            </a:r>
-            <a:r>
-              <a:rPr lang="en-US" altLang="zh-CN" dirty="0"/>
-              <a:t>integer</a:t>
-            </a:r>
-            <a:r>
-              <a:rPr lang="zh-CN" altLang="en-US" dirty="0"/>
-              <a:t>声明</a:t>
-            </a:r>
-            <a:endParaRPr lang="en-US" altLang="zh-CN" dirty="0"/>
-          </a:p>
-          <a:p>
-            <a:endParaRPr lang="en-US" altLang="zh-CN" dirty="0"/>
-          </a:p>
-          <a:p>
-            <a:r>
-              <a:rPr lang="zh-CN" altLang="en-US" dirty="0"/>
-              <a:t>声明一个整数类型的变量来完成计数等功能更为方便</a:t>
-            </a:r>
-            <a:endParaRPr lang="en-US" altLang="zh-CN" dirty="0"/>
-          </a:p>
-          <a:p>
-            <a:endParaRPr lang="en-US" altLang="zh-CN" dirty="0"/>
-          </a:p>
-          <a:p>
-            <a:r>
-              <a:rPr lang="zh-CN" altLang="en-US" dirty="0"/>
-              <a:t>整数的默认位宽是机器的字的位数，最小为</a:t>
-            </a:r>
-            <a:r>
-              <a:rPr lang="en-US" altLang="zh-CN" dirty="0"/>
-              <a:t>32</a:t>
-            </a:r>
-            <a:r>
-              <a:rPr lang="zh-CN" altLang="en-US" dirty="0"/>
-              <a:t>位</a:t>
-            </a:r>
-            <a:endParaRPr lang="en-US" altLang="zh-CN" dirty="0"/>
-          </a:p>
-          <a:p>
-            <a:endParaRPr lang="en-US" altLang="zh-CN" dirty="0"/>
-          </a:p>
-          <a:p>
-            <a:r>
-              <a:rPr lang="zh-CN" altLang="en-US" dirty="0"/>
-              <a:t>声明为</a:t>
-            </a:r>
-            <a:r>
-              <a:rPr lang="en-US" altLang="zh-CN" dirty="0"/>
-              <a:t>reg</a:t>
-            </a:r>
-            <a:r>
-              <a:rPr lang="zh-CN" altLang="en-US" dirty="0"/>
-              <a:t>类型的寄存器变量是无符号数</a:t>
-            </a:r>
-            <a:endParaRPr lang="en-US" altLang="zh-CN" dirty="0"/>
-          </a:p>
-          <a:p>
-            <a:r>
-              <a:rPr lang="zh-CN" altLang="en-US" dirty="0"/>
-              <a:t>整数类型的变量是有符号数</a:t>
-            </a:r>
-            <a:endParaRPr lang="en-US" altLang="zh-CN" dirty="0"/>
-          </a:p>
-          <a:p>
-            <a:pPr marL="0" indent="0">
-              <a:buNone/>
-            </a:pPr>
-            <a:endParaRPr lang="en-US" altLang="zh-CN" dirty="0"/>
-          </a:p>
-          <a:p>
-            <a:pPr marL="0" indent="0">
-              <a:buNone/>
-            </a:pPr>
-            <a:r>
-              <a:rPr lang="en-US" altLang="zh-CN" dirty="0"/>
-              <a:t>integer counter;</a:t>
-            </a:r>
-          </a:p>
-          <a:p>
-            <a:pPr marL="0" indent="0">
-              <a:buNone/>
-            </a:pPr>
-            <a:r>
-              <a:rPr lang="en-US" altLang="zh-CN" dirty="0"/>
-              <a:t>initial</a:t>
-            </a:r>
-          </a:p>
-          <a:p>
-            <a:pPr marL="0" indent="0">
-              <a:buNone/>
-            </a:pPr>
-            <a:r>
-              <a:rPr lang="en-US" altLang="zh-CN" dirty="0"/>
-              <a:t>	counter=-1;</a:t>
-            </a:r>
-            <a:endParaRPr lang="zh-CN" altLang="en-US" dirty="0"/>
+            <a:endParaRPr lang="zh-CN" altLang="en-US"/>
           </a:p>
         </p:txBody>
       </p:sp>
     </p:spTree>
     <p:extLst>
       <p:ext uri="{BB962C8B-B14F-4D97-AF65-F5344CB8AC3E}">
-        <p14:creationId xmlns:p14="http://schemas.microsoft.com/office/powerpoint/2010/main" val="2075303488"/>
+        <p14:creationId xmlns:p14="http://schemas.microsoft.com/office/powerpoint/2010/main" val="3279176979"/>
       </p:ext>
     </p:extLst>
   </p:cSld>
@@ -7634,7 +7559,7 @@
           <p:cNvPr id="2" name="标题 1">
             <a:extLst>
               <a:ext uri="{FF2B5EF4-FFF2-40B4-BE49-F238E27FC236}">
-                <a16:creationId xmlns:a16="http://schemas.microsoft.com/office/drawing/2014/main" id="{1262D681-0144-4073-9144-AC5BDD73C816}"/>
+                <a16:creationId xmlns="" xmlns:a16="http://schemas.microsoft.com/office/drawing/2014/main" id="{CA330C7C-38B6-44CE-8EA9-7CE7994A056B}"/>
               </a:ext>
             </a:extLst>
           </p:cNvPr>
@@ -7652,7 +7577,7 @@
           <a:p>
             <a:r>
               <a:rPr lang="zh-CN" altLang="en-US" dirty="0"/>
-              <a:t>数组</a:t>
+              <a:t>整数</a:t>
             </a:r>
           </a:p>
         </p:txBody>
@@ -7662,7 +7587,7 @@
           <p:cNvPr id="3" name="内容占位符 2">
             <a:extLst>
               <a:ext uri="{FF2B5EF4-FFF2-40B4-BE49-F238E27FC236}">
-                <a16:creationId xmlns:a16="http://schemas.microsoft.com/office/drawing/2014/main" id="{5B20EC99-BA10-4C55-A937-F8F4EC40B114}"/>
+                <a16:creationId xmlns="" xmlns:a16="http://schemas.microsoft.com/office/drawing/2014/main" id="{A6FDF91D-8E0E-4890-B143-390B20E98614}"/>
               </a:ext>
             </a:extLst>
           </p:cNvPr>
@@ -7679,12 +7604,54 @@
           <a:lstStyle/>
           <a:p>
             <a:r>
-              <a:rPr lang="en-US" altLang="zh-CN" dirty="0"/>
-              <a:t>Verilog</a:t>
-            </a:r>
-            <a:r>
-              <a:rPr lang="zh-CN" altLang="en-US" dirty="0"/>
-              <a:t>允许</a:t>
+              <a:rPr lang="zh-CN" altLang="en-US" dirty="0"/>
+              <a:t>整数是一种通用的寄存器数据类型，使用</a:t>
+            </a:r>
+            <a:r>
+              <a:rPr lang="en-US" altLang="zh-CN" dirty="0"/>
+              <a:t>integer</a:t>
+            </a:r>
+            <a:r>
+              <a:rPr lang="zh-CN" altLang="en-US" dirty="0"/>
+              <a:t>声明</a:t>
+            </a:r>
+            <a:endParaRPr lang="en-US" altLang="zh-CN" dirty="0"/>
+          </a:p>
+          <a:p>
+            <a:endParaRPr lang="en-US" altLang="zh-CN" dirty="0"/>
+          </a:p>
+          <a:p>
+            <a:r>
+              <a:rPr lang="zh-CN" altLang="en-US" dirty="0"/>
+              <a:t>声明一个整数类型的变量来完成计数等功能更为方便</a:t>
+            </a:r>
+            <a:endParaRPr lang="en-US" altLang="zh-CN" dirty="0"/>
+          </a:p>
+          <a:p>
+            <a:endParaRPr lang="en-US" altLang="zh-CN" dirty="0"/>
+          </a:p>
+          <a:p>
+            <a:r>
+              <a:rPr lang="zh-CN" altLang="en-US" dirty="0"/>
+              <a:t>整数的默认位宽是机器的字的位数，最小为</a:t>
+            </a:r>
+            <a:r>
+              <a:rPr lang="en-US" altLang="zh-CN" dirty="0"/>
+              <a:t>32</a:t>
+            </a:r>
+            <a:r>
+              <a:rPr lang="zh-CN" altLang="en-US" dirty="0"/>
+              <a:t>位</a:t>
+            </a:r>
+            <a:endParaRPr lang="en-US" altLang="zh-CN" dirty="0"/>
+          </a:p>
+          <a:p>
+            <a:endParaRPr lang="en-US" altLang="zh-CN" dirty="0"/>
+          </a:p>
+          <a:p>
+            <a:r>
+              <a:rPr lang="zh-CN" altLang="en-US" dirty="0"/>
+              <a:t>声明为</a:t>
             </a:r>
             <a:r>
               <a:rPr lang="en-US" altLang="zh-CN" dirty="0"/>
@@ -7692,89 +7659,15 @@
             </a:r>
             <a:r>
               <a:rPr lang="zh-CN" altLang="en-US" dirty="0"/>
-              <a:t>、</a:t>
-            </a:r>
-            <a:r>
-              <a:rPr lang="en-US" altLang="zh-CN" dirty="0"/>
-              <a:t>integer</a:t>
-            </a:r>
-            <a:r>
-              <a:rPr lang="zh-CN" altLang="en-US" dirty="0"/>
-              <a:t>等及其向量类型的数组，维数没有限制</a:t>
+              <a:t>类型的寄存器变量是无符号数</a:t>
             </a:r>
             <a:endParaRPr lang="en-US" altLang="zh-CN" dirty="0"/>
           </a:p>
           <a:p>
-            <a:endParaRPr lang="en-US" altLang="zh-CN" dirty="0"/>
-          </a:p>
-          <a:p>
-            <a:r>
-              <a:rPr lang="zh-CN" altLang="en-US" dirty="0"/>
-              <a:t>注意：向量是一个单独的元件，位宽是</a:t>
-            </a:r>
-            <a:r>
-              <a:rPr lang="en-US" altLang="zh-CN" dirty="0"/>
-              <a:t>n</a:t>
-            </a:r>
-            <a:r>
-              <a:rPr lang="zh-CN" altLang="en-US" dirty="0"/>
-              <a:t>；数组是由多个元件组成，其中的每个元件的位宽是</a:t>
-            </a:r>
-            <a:r>
-              <a:rPr lang="en-US" altLang="zh-CN" dirty="0"/>
-              <a:t>n</a:t>
-            </a:r>
-            <a:r>
-              <a:rPr lang="zh-CN" altLang="en-US" dirty="0"/>
-              <a:t>或者</a:t>
-            </a:r>
-            <a:r>
-              <a:rPr lang="en-US" altLang="zh-CN" dirty="0"/>
-              <a:t>1</a:t>
-            </a:r>
-          </a:p>
-          <a:p>
-            <a:endParaRPr lang="en-US" altLang="zh-CN" dirty="0"/>
-          </a:p>
-          <a:p>
-            <a:endParaRPr lang="en-US" altLang="zh-CN" dirty="0"/>
-          </a:p>
-          <a:p>
-            <a:pPr marL="0" indent="0">
-              <a:buNone/>
-            </a:pPr>
-            <a:r>
-              <a:rPr lang="en-US" altLang="zh-CN" dirty="0"/>
-              <a:t>integer </a:t>
-            </a:r>
-            <a:r>
-              <a:rPr lang="en-US" altLang="zh-CN" dirty="0" err="1"/>
-              <a:t>counte</a:t>
-            </a:r>
-            <a:r>
-              <a:rPr lang="en-US" altLang="zh-CN" dirty="0"/>
-              <a:t>[0:7]</a:t>
-            </a:r>
-          </a:p>
-          <a:p>
-            <a:pPr marL="0" indent="0">
-              <a:buNone/>
-            </a:pPr>
-            <a:r>
-              <a:rPr lang="en-US" altLang="zh-CN" dirty="0"/>
-              <a:t>reg bool[31:0]</a:t>
-            </a:r>
-          </a:p>
-          <a:p>
-            <a:pPr marL="0" indent="0">
-              <a:buNone/>
-            </a:pPr>
-            <a:r>
-              <a:rPr lang="en-US" altLang="zh-CN" dirty="0"/>
-              <a:t>reg[7:0] port[0:31]</a:t>
-            </a:r>
-          </a:p>
-          <a:p>
+            <a:r>
+              <a:rPr lang="zh-CN" altLang="en-US" dirty="0"/>
+              <a:t>整数类型的变量是有符号数</a:t>
+            </a:r>
             <a:endParaRPr lang="en-US" altLang="zh-CN" dirty="0"/>
           </a:p>
           <a:p>
@@ -7784,6 +7677,31 @@
             <a:endParaRPr lang="en-US" altLang="zh-CN" dirty="0"/>
           </a:p>
           <a:p>
+            <a:pPr marL="0" indent="0">
+              <a:buNone/>
+            </a:pPr>
+            <a:r>
+              <a:rPr lang="en-US" altLang="zh-CN" dirty="0"/>
+              <a:t>integer counter;</a:t>
+            </a:r>
+          </a:p>
+          <a:p>
+            <a:pPr marL="0" indent="0">
+              <a:buNone/>
+            </a:pPr>
+            <a:r>
+              <a:rPr lang="en-US" altLang="zh-CN" dirty="0"/>
+              <a:t>initial</a:t>
+            </a:r>
+          </a:p>
+          <a:p>
+            <a:pPr marL="0" indent="0">
+              <a:buNone/>
+            </a:pPr>
+            <a:r>
+              <a:rPr lang="en-US" altLang="zh-CN" dirty="0"/>
+              <a:t>	counter=-1;</a:t>
+            </a:r>
             <a:endParaRPr lang="zh-CN" altLang="en-US" dirty="0"/>
           </a:p>
         </p:txBody>
@@ -7791,7 +7709,7 @@
     </p:spTree>
     <p:extLst>
       <p:ext uri="{BB962C8B-B14F-4D97-AF65-F5344CB8AC3E}">
-        <p14:creationId xmlns:p14="http://schemas.microsoft.com/office/powerpoint/2010/main" val="993558682"/>
+        <p14:creationId xmlns:p14="http://schemas.microsoft.com/office/powerpoint/2010/main" val="2075303488"/>
       </p:ext>
     </p:extLst>
   </p:cSld>
@@ -7823,7 +7741,7 @@
           <p:cNvPr id="2" name="标题 1">
             <a:extLst>
               <a:ext uri="{FF2B5EF4-FFF2-40B4-BE49-F238E27FC236}">
-                <a16:creationId xmlns:a16="http://schemas.microsoft.com/office/drawing/2014/main" id="{9EA0B416-9BC3-4716-9D6E-F18D79122303}"/>
+                <a16:creationId xmlns="" xmlns:a16="http://schemas.microsoft.com/office/drawing/2014/main" id="{1262D681-0144-4073-9144-AC5BDD73C816}"/>
               </a:ext>
             </a:extLst>
           </p:cNvPr>
@@ -7841,7 +7759,7 @@
           <a:p>
             <a:r>
               <a:rPr lang="zh-CN" altLang="en-US" dirty="0"/>
-              <a:t>存储器</a:t>
+              <a:t>数组</a:t>
             </a:r>
           </a:p>
         </p:txBody>
@@ -7851,7 +7769,7 @@
           <p:cNvPr id="3" name="内容占位符 2">
             <a:extLst>
               <a:ext uri="{FF2B5EF4-FFF2-40B4-BE49-F238E27FC236}">
-                <a16:creationId xmlns:a16="http://schemas.microsoft.com/office/drawing/2014/main" id="{3A86CF7E-6D7D-49B0-9A5E-5EE910BDE963}"/>
+                <a16:creationId xmlns="" xmlns:a16="http://schemas.microsoft.com/office/drawing/2014/main" id="{5B20EC99-BA10-4C55-A937-F8F4EC40B114}"/>
               </a:ext>
             </a:extLst>
           </p:cNvPr>
@@ -7868,83 +7786,102 @@
           <a:lstStyle/>
           <a:p>
             <a:r>
-              <a:rPr lang="zh-CN" altLang="en-US" dirty="0"/>
-              <a:t>在数字电路仿真中，常常需要对寄存器堆、</a:t>
-            </a:r>
-            <a:r>
-              <a:rPr lang="en-US" altLang="zh-CN" dirty="0"/>
-              <a:t>RAM</a:t>
-            </a:r>
-            <a:r>
-              <a:rPr lang="zh-CN" altLang="en-US" dirty="0"/>
-              <a:t>和</a:t>
-            </a:r>
-            <a:r>
-              <a:rPr lang="en-US" altLang="zh-CN" dirty="0"/>
-              <a:t>ROM</a:t>
-            </a:r>
-            <a:r>
-              <a:rPr lang="zh-CN" altLang="en-US" dirty="0"/>
-              <a:t>建模。在</a:t>
-            </a:r>
-            <a:r>
               <a:rPr lang="en-US" altLang="zh-CN" dirty="0"/>
               <a:t>Verilog</a:t>
             </a:r>
             <a:r>
               <a:rPr lang="zh-CN" altLang="en-US" dirty="0"/>
-              <a:t>中，使用寄存器的一维数组来表示存储器。</a:t>
+              <a:t>允许</a:t>
+            </a:r>
+            <a:r>
+              <a:rPr lang="en-US" altLang="zh-CN" dirty="0"/>
+              <a:t>reg</a:t>
+            </a:r>
+            <a:r>
+              <a:rPr lang="zh-CN" altLang="en-US" dirty="0"/>
+              <a:t>、</a:t>
+            </a:r>
+            <a:r>
+              <a:rPr lang="en-US" altLang="zh-CN" dirty="0"/>
+              <a:t>integer</a:t>
+            </a:r>
+            <a:r>
+              <a:rPr lang="zh-CN" altLang="en-US" dirty="0"/>
+              <a:t>等及其向量类型的数组，维数没有限制</a:t>
             </a:r>
             <a:endParaRPr lang="en-US" altLang="zh-CN" dirty="0"/>
           </a:p>
           <a:p>
-            <a:r>
-              <a:rPr lang="zh-CN" altLang="en-US" dirty="0"/>
-              <a:t>数组的每个元素称为一个元素或一个字，有一个数组索引指定，每个字的位宽为</a:t>
+            <a:endParaRPr lang="en-US" altLang="zh-CN" dirty="0"/>
+          </a:p>
+          <a:p>
+            <a:r>
+              <a:rPr lang="zh-CN" altLang="en-US" dirty="0"/>
+              <a:t>注意：向量是一个单独的元件，位宽是</a:t>
+            </a:r>
+            <a:r>
+              <a:rPr lang="en-US" altLang="zh-CN" dirty="0"/>
+              <a:t>n</a:t>
+            </a:r>
+            <a:r>
+              <a:rPr lang="zh-CN" altLang="en-US" dirty="0"/>
+              <a:t>；数组是由多个元件组成，其中的每个元件的位宽是</a:t>
+            </a:r>
+            <a:r>
+              <a:rPr lang="en-US" altLang="zh-CN" dirty="0"/>
+              <a:t>n</a:t>
+            </a:r>
+            <a:r>
+              <a:rPr lang="zh-CN" altLang="en-US" dirty="0"/>
+              <a:t>或者</a:t>
             </a:r>
             <a:r>
               <a:rPr lang="en-US" altLang="zh-CN" dirty="0"/>
               <a:t>1</a:t>
             </a:r>
-            <a:r>
-              <a:rPr lang="zh-CN" altLang="en-US" dirty="0"/>
-              <a:t>位或者多位</a:t>
-            </a:r>
+          </a:p>
+          <a:p>
             <a:endParaRPr lang="en-US" altLang="zh-CN" dirty="0"/>
           </a:p>
           <a:p>
-            <a:r>
-              <a:rPr lang="en-US" altLang="zh-CN" dirty="0"/>
-              <a:t>n</a:t>
-            </a:r>
-            <a:r>
-              <a:rPr lang="zh-CN" altLang="en-US" dirty="0"/>
-              <a:t>个</a:t>
-            </a:r>
-            <a:r>
-              <a:rPr lang="en-US" altLang="zh-CN" dirty="0"/>
-              <a:t>1</a:t>
-            </a:r>
-            <a:r>
-              <a:rPr lang="zh-CN" altLang="en-US" dirty="0"/>
-              <a:t>位寄存器和</a:t>
-            </a:r>
-            <a:r>
-              <a:rPr lang="en-US" altLang="zh-CN" dirty="0"/>
-              <a:t>1</a:t>
-            </a:r>
-            <a:r>
-              <a:rPr lang="zh-CN" altLang="en-US" dirty="0"/>
-              <a:t>个</a:t>
-            </a:r>
-            <a:r>
-              <a:rPr lang="en-US" altLang="zh-CN" dirty="0"/>
-              <a:t>n</a:t>
-            </a:r>
-            <a:r>
-              <a:rPr lang="zh-CN" altLang="en-US" dirty="0"/>
-              <a:t>位寄存器是不同的。</a:t>
-            </a:r>
+            <a:endParaRPr lang="en-US" altLang="zh-CN" dirty="0"/>
+          </a:p>
+          <a:p>
+            <a:pPr marL="0" indent="0">
+              <a:buNone/>
+            </a:pPr>
+            <a:r>
+              <a:rPr lang="en-US" altLang="zh-CN" dirty="0"/>
+              <a:t>integer </a:t>
+            </a:r>
+            <a:r>
+              <a:rPr lang="en-US" altLang="zh-CN" dirty="0" err="1"/>
+              <a:t>counte</a:t>
+            </a:r>
+            <a:r>
+              <a:rPr lang="en-US" altLang="zh-CN" dirty="0"/>
+              <a:t>[0:7]</a:t>
+            </a:r>
+          </a:p>
+          <a:p>
+            <a:pPr marL="0" indent="0">
+              <a:buNone/>
+            </a:pPr>
+            <a:r>
+              <a:rPr lang="en-US" altLang="zh-CN" dirty="0"/>
+              <a:t>reg bool[31:0]</a:t>
+            </a:r>
+          </a:p>
+          <a:p>
+            <a:pPr marL="0" indent="0">
+              <a:buNone/>
+            </a:pPr>
+            <a:r>
+              <a:rPr lang="en-US" altLang="zh-CN" dirty="0"/>
+              <a:t>reg[7:0] port[0:31]</a:t>
+            </a:r>
+          </a:p>
+          <a:p>
             <a:endParaRPr lang="en-US" altLang="zh-CN" dirty="0"/>
           </a:p>
           <a:p>
@@ -7954,45 +7891,6 @@
             <a:endParaRPr lang="en-US" altLang="zh-CN" dirty="0"/>
           </a:p>
           <a:p>
-            <a:pPr marL="0" indent="0">
-              <a:buNone/>
-            </a:pPr>
-            <a:r>
-              <a:rPr lang="en-US" altLang="zh-CN" dirty="0"/>
-              <a:t>reg mem1bit[0:1023]</a:t>
-            </a:r>
-          </a:p>
-          <a:p>
-            <a:pPr marL="0" indent="0">
-              <a:buNone/>
-            </a:pPr>
-            <a:r>
-              <a:rPr lang="en-US" altLang="zh-CN" dirty="0"/>
-              <a:t>reg[7:0]</a:t>
-            </a:r>
-            <a:r>
-              <a:rPr lang="en-US" altLang="zh-CN" dirty="0" err="1"/>
-              <a:t>membyte</a:t>
-            </a:r>
-            <a:r>
-              <a:rPr lang="en-US" altLang="zh-CN" dirty="0"/>
-              <a:t>[0:1023]</a:t>
-            </a:r>
-          </a:p>
-          <a:p>
-            <a:pPr marL="0" indent="0">
-              <a:buNone/>
-            </a:pPr>
-            <a:r>
-              <a:rPr lang="en-US" altLang="zh-CN" dirty="0" err="1"/>
-              <a:t>membyte</a:t>
-            </a:r>
-            <a:r>
-              <a:rPr lang="en-US" altLang="zh-CN" dirty="0"/>
-              <a:t>[512]</a:t>
-            </a:r>
-          </a:p>
-          <a:p>
             <a:endParaRPr lang="zh-CN" altLang="en-US" dirty="0"/>
           </a:p>
         </p:txBody>
@@ -8000,7 +7898,7 @@
     </p:spTree>
     <p:extLst>
       <p:ext uri="{BB962C8B-B14F-4D97-AF65-F5344CB8AC3E}">
-        <p14:creationId xmlns:p14="http://schemas.microsoft.com/office/powerpoint/2010/main" val="3619299158"/>
+        <p14:creationId xmlns:p14="http://schemas.microsoft.com/office/powerpoint/2010/main" val="993558682"/>
       </p:ext>
     </p:extLst>
   </p:cSld>
@@ -8032,7 +7930,7 @@
           <p:cNvPr id="2" name="标题 1">
             <a:extLst>
               <a:ext uri="{FF2B5EF4-FFF2-40B4-BE49-F238E27FC236}">
-                <a16:creationId xmlns:a16="http://schemas.microsoft.com/office/drawing/2014/main" id="{7C0B01F8-8907-4978-A703-A0DBD6BE4515}"/>
+                <a16:creationId xmlns="" xmlns:a16="http://schemas.microsoft.com/office/drawing/2014/main" id="{7C0B01F8-8907-4978-A703-A0DBD6BE4515}"/>
               </a:ext>
             </a:extLst>
           </p:cNvPr>
@@ -8060,7 +7958,7 @@
           <p:cNvPr id="3" name="内容占位符 2">
             <a:extLst>
               <a:ext uri="{FF2B5EF4-FFF2-40B4-BE49-F238E27FC236}">
-                <a16:creationId xmlns:a16="http://schemas.microsoft.com/office/drawing/2014/main" id="{58C886E7-CAB1-4676-8E4E-C3D32078A0D1}"/>
+                <a16:creationId xmlns="" xmlns:a16="http://schemas.microsoft.com/office/drawing/2014/main" id="{58C886E7-CAB1-4676-8E4E-C3D32078A0D1}"/>
               </a:ext>
             </a:extLst>
           </p:cNvPr>
@@ -8144,7 +8042,7 @@
           <p:cNvPr id="2" name="标题 1">
             <a:extLst>
               <a:ext uri="{FF2B5EF4-FFF2-40B4-BE49-F238E27FC236}">
-                <a16:creationId xmlns:a16="http://schemas.microsoft.com/office/drawing/2014/main" id="{8CD26048-04E4-46E7-A979-1B271E77899D}"/>
+                <a16:creationId xmlns="" xmlns:a16="http://schemas.microsoft.com/office/drawing/2014/main" id="{9EA0B416-9BC3-4716-9D6E-F18D79122303}"/>
               </a:ext>
             </a:extLst>
           </p:cNvPr>
@@ -8162,7 +8060,7 @@
           <a:p>
             <a:r>
               <a:rPr lang="zh-CN" altLang="en-US" dirty="0"/>
-              <a:t>参数</a:t>
+              <a:t>存储器</a:t>
             </a:r>
           </a:p>
         </p:txBody>
@@ -8172,7 +8070,7 @@
           <p:cNvPr id="3" name="内容占位符 2">
             <a:extLst>
               <a:ext uri="{FF2B5EF4-FFF2-40B4-BE49-F238E27FC236}">
-                <a16:creationId xmlns:a16="http://schemas.microsoft.com/office/drawing/2014/main" id="{D844E27C-4449-4DD2-96B1-06D06BBD642F}"/>
+                <a16:creationId xmlns="" xmlns:a16="http://schemas.microsoft.com/office/drawing/2014/main" id="{3A86CF7E-6D7D-49B0-9A5E-5EE910BDE963}"/>
               </a:ext>
             </a:extLst>
           </p:cNvPr>
@@ -8189,52 +8087,89 @@
           <a:lstStyle/>
           <a:p>
             <a:r>
+              <a:rPr lang="zh-CN" altLang="en-US" dirty="0"/>
+              <a:t>在数字电路仿真中，常常需要对寄存器堆、</a:t>
+            </a:r>
+            <a:r>
+              <a:rPr lang="en-US" altLang="zh-CN" dirty="0"/>
+              <a:t>RAM</a:t>
+            </a:r>
+            <a:r>
+              <a:rPr lang="zh-CN" altLang="en-US" dirty="0"/>
+              <a:t>和</a:t>
+            </a:r>
+            <a:r>
+              <a:rPr lang="en-US" altLang="zh-CN" dirty="0"/>
+              <a:t>ROM</a:t>
+            </a:r>
+            <a:r>
+              <a:rPr lang="zh-CN" altLang="en-US" dirty="0"/>
+              <a:t>建模。在</a:t>
+            </a:r>
+            <a:r>
               <a:rPr lang="en-US" altLang="zh-CN" dirty="0"/>
               <a:t>Verilog</a:t>
             </a:r>
             <a:r>
               <a:rPr lang="zh-CN" altLang="en-US" dirty="0"/>
-              <a:t>允许使用关键字</a:t>
-            </a:r>
-            <a:r>
-              <a:rPr lang="en-US" altLang="zh-CN" dirty="0"/>
-              <a:t>parameter</a:t>
-            </a:r>
-            <a:r>
-              <a:rPr lang="zh-CN" altLang="en-US" dirty="0"/>
-              <a:t>在模块中定义常数</a:t>
+              <a:t>中，使用寄存器的一维数组来表示存储器。</a:t>
             </a:r>
             <a:endParaRPr lang="en-US" altLang="zh-CN" dirty="0"/>
           </a:p>
           <a:p>
             <a:r>
               <a:rPr lang="zh-CN" altLang="en-US" dirty="0"/>
-              <a:t>每个模块实例的参数值可以在编译阶段被重载</a:t>
+              <a:t>数组的每个元素称为一个元素或一个字，有一个数组索引指定，每个字的位宽为</a:t>
+            </a:r>
+            <a:r>
+              <a:rPr lang="en-US" altLang="zh-CN" dirty="0"/>
+              <a:t>1</a:t>
+            </a:r>
+            <a:r>
+              <a:rPr lang="zh-CN" altLang="en-US" dirty="0"/>
+              <a:t>位或者多位</a:t>
             </a:r>
             <a:endParaRPr lang="en-US" altLang="zh-CN" dirty="0"/>
           </a:p>
           <a:p>
             <a:r>
-              <a:rPr lang="zh-CN" altLang="en-US" dirty="0"/>
-              <a:t>还可以对参数的类型和范围进行定义</a:t>
-            </a:r>
-            <a:endParaRPr lang="en-US" altLang="zh-CN" dirty="0"/>
-          </a:p>
-          <a:p>
+              <a:rPr lang="en-US" altLang="zh-CN" dirty="0"/>
+              <a:t>n</a:t>
+            </a:r>
+            <a:r>
+              <a:rPr lang="zh-CN" altLang="en-US" dirty="0"/>
+              <a:t>个</a:t>
+            </a:r>
+            <a:r>
+              <a:rPr lang="en-US" altLang="zh-CN" dirty="0"/>
+              <a:t>1</a:t>
+            </a:r>
+            <a:r>
+              <a:rPr lang="zh-CN" altLang="en-US" dirty="0"/>
+              <a:t>位寄存器和</a:t>
+            </a:r>
+            <a:r>
+              <a:rPr lang="en-US" altLang="zh-CN" dirty="0"/>
+              <a:t>1</a:t>
+            </a:r>
+            <a:r>
+              <a:rPr lang="zh-CN" altLang="en-US" dirty="0"/>
+              <a:t>个</a:t>
+            </a:r>
+            <a:r>
+              <a:rPr lang="en-US" altLang="zh-CN" dirty="0"/>
+              <a:t>n</a:t>
+            </a:r>
+            <a:r>
+              <a:rPr lang="zh-CN" altLang="en-US" dirty="0"/>
+              <a:t>位寄存器是不同的。</a:t>
+            </a:r>
             <a:endParaRPr lang="en-US" altLang="zh-CN" dirty="0"/>
           </a:p>
           <a:p>
             <a:pPr marL="0" indent="0">
               <a:buNone/>
             </a:pPr>
-            <a:r>
-              <a:rPr lang="en-US" altLang="zh-CN" dirty="0"/>
-              <a:t>parameter port=5</a:t>
-            </a:r>
-            <a:r>
-              <a:rPr lang="zh-CN" altLang="en-US" dirty="0"/>
-              <a:t>；</a:t>
-            </a:r>
             <a:endParaRPr lang="en-US" altLang="zh-CN" dirty="0"/>
           </a:p>
           <a:p>
@@ -8243,15 +8178,7 @@
             </a:pPr>
             <a:r>
               <a:rPr lang="en-US" altLang="zh-CN" dirty="0"/>
-              <a:t>parameter </a:t>
-            </a:r>
-            <a:r>
-              <a:rPr lang="en-US" altLang="zh-CN" dirty="0" err="1"/>
-              <a:t>cache_width</a:t>
-            </a:r>
-            <a:r>
-              <a:rPr lang="en-US" altLang="zh-CN" dirty="0"/>
-              <a:t>=256;</a:t>
+              <a:t>reg mem1bit[0:1023]</a:t>
             </a:r>
           </a:p>
           <a:p>
@@ -8260,8 +8187,31 @@
             </a:pPr>
             <a:r>
               <a:rPr lang="en-US" altLang="zh-CN" dirty="0"/>
-              <a:t>parameter signed[15:0] width;</a:t>
-            </a:r>
+              <a:t>reg[7:0]</a:t>
+            </a:r>
+            <a:r>
+              <a:rPr lang="en-US" altLang="zh-CN" dirty="0" err="1"/>
+              <a:t>membyte</a:t>
+            </a:r>
+            <a:r>
+              <a:rPr lang="en-US" altLang="zh-CN" dirty="0"/>
+              <a:t>[0:1023]</a:t>
+            </a:r>
+          </a:p>
+          <a:p>
+            <a:pPr marL="0" indent="0">
+              <a:buNone/>
+            </a:pPr>
+            <a:r>
+              <a:rPr lang="en-US" altLang="zh-CN" dirty="0" err="1"/>
+              <a:t>membyte</a:t>
+            </a:r>
+            <a:r>
+              <a:rPr lang="en-US" altLang="zh-CN" dirty="0"/>
+              <a:t>[512]</a:t>
+            </a:r>
+          </a:p>
+          <a:p>
             <a:endParaRPr lang="zh-CN" altLang="en-US" dirty="0"/>
           </a:p>
         </p:txBody>
@@ -8269,7 +8219,7 @@
     </p:spTree>
     <p:extLst>
       <p:ext uri="{BB962C8B-B14F-4D97-AF65-F5344CB8AC3E}">
-        <p14:creationId xmlns:p14="http://schemas.microsoft.com/office/powerpoint/2010/main" val="3598263111"/>
+        <p14:creationId xmlns:p14="http://schemas.microsoft.com/office/powerpoint/2010/main" val="3619299158"/>
       </p:ext>
     </p:extLst>
   </p:cSld>
@@ -8301,7 +8251,7 @@
           <p:cNvPr id="2" name="标题 1">
             <a:extLst>
               <a:ext uri="{FF2B5EF4-FFF2-40B4-BE49-F238E27FC236}">
-                <a16:creationId xmlns:a16="http://schemas.microsoft.com/office/drawing/2014/main" id="{4C62C42F-C49A-4780-92B3-7E2B380F9F5D}"/>
+                <a16:creationId xmlns="" xmlns:a16="http://schemas.microsoft.com/office/drawing/2014/main" id="{8CD26048-04E4-46E7-A979-1B271E77899D}"/>
               </a:ext>
             </a:extLst>
           </p:cNvPr>
@@ -8319,15 +8269,7 @@
           <a:p>
             <a:r>
               <a:rPr lang="zh-CN" altLang="en-US" dirty="0"/>
-              <a:t>语言专用标记（</a:t>
-            </a:r>
-            <a:r>
-              <a:rPr lang="en-US" altLang="zh-CN" dirty="0"/>
-              <a:t>tokens</a:t>
-            </a:r>
-            <a:r>
-              <a:rPr lang="zh-CN" altLang="en-US" dirty="0"/>
-              <a:t>）</a:t>
+              <a:t>参数</a:t>
             </a:r>
           </a:p>
         </p:txBody>
@@ -8337,7 +8279,172 @@
           <p:cNvPr id="3" name="内容占位符 2">
             <a:extLst>
               <a:ext uri="{FF2B5EF4-FFF2-40B4-BE49-F238E27FC236}">
-                <a16:creationId xmlns:a16="http://schemas.microsoft.com/office/drawing/2014/main" id="{A5D3CD43-5C86-4802-9F2B-76A7B3FF01AE}"/>
+                <a16:creationId xmlns="" xmlns:a16="http://schemas.microsoft.com/office/drawing/2014/main" id="{D844E27C-4449-4DD2-96B1-06D06BBD642F}"/>
+              </a:ext>
+            </a:extLst>
+          </p:cNvPr>
+          <p:cNvSpPr>
+            <a:spLocks noGrp="1"/>
+          </p:cNvSpPr>
+          <p:nvPr>
+            <p:ph idx="1"/>
+          </p:nvPr>
+        </p:nvSpPr>
+        <p:spPr/>
+        <p:txBody>
+          <a:bodyPr/>
+          <a:lstStyle/>
+          <a:p>
+            <a:r>
+              <a:rPr lang="en-US" altLang="zh-CN" dirty="0"/>
+              <a:t>Verilog</a:t>
+            </a:r>
+            <a:r>
+              <a:rPr lang="zh-CN" altLang="en-US" dirty="0"/>
+              <a:t>允许使用关键字</a:t>
+            </a:r>
+            <a:r>
+              <a:rPr lang="en-US" altLang="zh-CN" dirty="0"/>
+              <a:t>parameter</a:t>
+            </a:r>
+            <a:r>
+              <a:rPr lang="zh-CN" altLang="en-US" dirty="0"/>
+              <a:t>在模块中定义常数</a:t>
+            </a:r>
+            <a:endParaRPr lang="en-US" altLang="zh-CN" dirty="0"/>
+          </a:p>
+          <a:p>
+            <a:r>
+              <a:rPr lang="zh-CN" altLang="en-US" dirty="0"/>
+              <a:t>每个模块实例的参数值可以在编译阶段被重载</a:t>
+            </a:r>
+            <a:endParaRPr lang="en-US" altLang="zh-CN" dirty="0"/>
+          </a:p>
+          <a:p>
+            <a:r>
+              <a:rPr lang="zh-CN" altLang="en-US" dirty="0"/>
+              <a:t>还可以对参数的类型和范围进行定义</a:t>
+            </a:r>
+            <a:endParaRPr lang="en-US" altLang="zh-CN" dirty="0"/>
+          </a:p>
+          <a:p>
+            <a:endParaRPr lang="en-US" altLang="zh-CN" dirty="0"/>
+          </a:p>
+          <a:p>
+            <a:pPr marL="0" indent="0">
+              <a:buNone/>
+            </a:pPr>
+            <a:r>
+              <a:rPr lang="en-US" altLang="zh-CN" dirty="0"/>
+              <a:t>parameter port=5</a:t>
+            </a:r>
+            <a:r>
+              <a:rPr lang="zh-CN" altLang="en-US" dirty="0"/>
+              <a:t>；</a:t>
+            </a:r>
+            <a:endParaRPr lang="en-US" altLang="zh-CN" dirty="0"/>
+          </a:p>
+          <a:p>
+            <a:pPr marL="0" indent="0">
+              <a:buNone/>
+            </a:pPr>
+            <a:r>
+              <a:rPr lang="en-US" altLang="zh-CN" dirty="0"/>
+              <a:t>parameter </a:t>
+            </a:r>
+            <a:r>
+              <a:rPr lang="en-US" altLang="zh-CN" dirty="0" err="1"/>
+              <a:t>cache_width</a:t>
+            </a:r>
+            <a:r>
+              <a:rPr lang="en-US" altLang="zh-CN" dirty="0"/>
+              <a:t>=256;</a:t>
+            </a:r>
+          </a:p>
+          <a:p>
+            <a:pPr marL="0" indent="0">
+              <a:buNone/>
+            </a:pPr>
+            <a:r>
+              <a:rPr lang="en-US" altLang="zh-CN" dirty="0"/>
+              <a:t>parameter signed[15:0] width;</a:t>
+            </a:r>
+            <a:endParaRPr lang="zh-CN" altLang="en-US" dirty="0"/>
+          </a:p>
+        </p:txBody>
+      </p:sp>
+    </p:spTree>
+    <p:extLst>
+      <p:ext uri="{BB962C8B-B14F-4D97-AF65-F5344CB8AC3E}">
+        <p14:creationId xmlns:p14="http://schemas.microsoft.com/office/powerpoint/2010/main" val="3598263111"/>
+      </p:ext>
+    </p:extLst>
+  </p:cSld>
+  <p:clrMapOvr>
+    <a:masterClrMapping/>
+  </p:clrMapOvr>
+</p:sld>
+</file>
+
+<file path=ppt/slides/slide32.xml><?xml version="1.0" encoding="utf-8"?>
+<p:sld xmlns:a="http://schemas.openxmlformats.org/drawingml/2006/main" xmlns:r="http://schemas.openxmlformats.org/officeDocument/2006/relationships" xmlns:p="http://schemas.openxmlformats.org/presentationml/2006/main">
+  <p:cSld>
+    <p:spTree>
+      <p:nvGrpSpPr>
+        <p:cNvPr id="1" name=""/>
+        <p:cNvGrpSpPr/>
+        <p:nvPr/>
+      </p:nvGrpSpPr>
+      <p:grpSpPr>
+        <a:xfrm>
+          <a:off x="0" y="0"/>
+          <a:ext cx="0" cy="0"/>
+          <a:chOff x="0" y="0"/>
+          <a:chExt cx="0" cy="0"/>
+        </a:xfrm>
+      </p:grpSpPr>
+      <p:sp>
+        <p:nvSpPr>
+          <p:cNvPr id="2" name="标题 1">
+            <a:extLst>
+              <a:ext uri="{FF2B5EF4-FFF2-40B4-BE49-F238E27FC236}">
+                <a16:creationId xmlns="" xmlns:a16="http://schemas.microsoft.com/office/drawing/2014/main" id="{4C62C42F-C49A-4780-92B3-7E2B380F9F5D}"/>
+              </a:ext>
+            </a:extLst>
+          </p:cNvPr>
+          <p:cNvSpPr>
+            <a:spLocks noGrp="1"/>
+          </p:cNvSpPr>
+          <p:nvPr>
+            <p:ph type="title"/>
+          </p:nvPr>
+        </p:nvSpPr>
+        <p:spPr/>
+        <p:txBody>
+          <a:bodyPr/>
+          <a:lstStyle/>
+          <a:p>
+            <a:r>
+              <a:rPr lang="zh-CN" altLang="en-US" dirty="0"/>
+              <a:t>语言专用标记（</a:t>
+            </a:r>
+            <a:r>
+              <a:rPr lang="en-US" altLang="zh-CN" dirty="0"/>
+              <a:t>tokens</a:t>
+            </a:r>
+            <a:r>
+              <a:rPr lang="zh-CN" altLang="en-US" dirty="0"/>
+              <a:t>）</a:t>
+            </a:r>
+          </a:p>
+        </p:txBody>
+      </p:sp>
+      <p:sp>
+        <p:nvSpPr>
+          <p:cNvPr id="3" name="内容占位符 2">
+            <a:extLst>
+              <a:ext uri="{FF2B5EF4-FFF2-40B4-BE49-F238E27FC236}">
+                <a16:creationId xmlns="" xmlns:a16="http://schemas.microsoft.com/office/drawing/2014/main" id="{A5D3CD43-5C86-4802-9F2B-76A7B3FF01AE}"/>
               </a:ext>
             </a:extLst>
           </p:cNvPr>
@@ -8565,7 +8672,7 @@
 </p:sld>
 </file>
 
-<file path=ppt/slides/slide32.xml><?xml version="1.0" encoding="utf-8"?>
+<file path=ppt/slides/slide33.xml><?xml version="1.0" encoding="utf-8"?>
 <p:sld xmlns:a="http://schemas.openxmlformats.org/drawingml/2006/main" xmlns:r="http://schemas.openxmlformats.org/officeDocument/2006/relationships" xmlns:p="http://schemas.openxmlformats.org/presentationml/2006/main" show="0">
   <p:cSld>
     <p:spTree>
@@ -8587,7 +8694,7 @@
           <p:cNvPr id="2" name="标题 1">
             <a:extLst>
               <a:ext uri="{FF2B5EF4-FFF2-40B4-BE49-F238E27FC236}">
-                <a16:creationId xmlns:a16="http://schemas.microsoft.com/office/drawing/2014/main" id="{0F2BE57C-CC06-40B9-B51C-17FF61AC8CD0}"/>
+                <a16:creationId xmlns="" xmlns:a16="http://schemas.microsoft.com/office/drawing/2014/main" id="{0F2BE57C-CC06-40B9-B51C-17FF61AC8CD0}"/>
               </a:ext>
             </a:extLst>
           </p:cNvPr>
@@ -8615,7 +8722,7 @@
           <p:cNvPr id="3" name="内容占位符 2">
             <a:extLst>
               <a:ext uri="{FF2B5EF4-FFF2-40B4-BE49-F238E27FC236}">
-                <a16:creationId xmlns:a16="http://schemas.microsoft.com/office/drawing/2014/main" id="{9338B349-68E7-4B79-ACE1-25FDCACA3508}"/>
+                <a16:creationId xmlns="" xmlns:a16="http://schemas.microsoft.com/office/drawing/2014/main" id="{9338B349-68E7-4B79-ACE1-25FDCACA3508}"/>
               </a:ext>
             </a:extLst>
           </p:cNvPr>
@@ -8740,142 +8847,14 @@
   <p:clrMapOvr>
     <a:masterClrMapping/>
   </p:clrMapOvr>
-</p:sld>
-</file>
-
-<file path=ppt/slides/slide33.xml><?xml version="1.0" encoding="utf-8"?>
-<p:sld xmlns:a="http://schemas.openxmlformats.org/drawingml/2006/main" xmlns:r="http://schemas.openxmlformats.org/officeDocument/2006/relationships" xmlns:p="http://schemas.openxmlformats.org/presentationml/2006/main">
-  <p:cSld>
-    <p:spTree>
-      <p:nvGrpSpPr>
-        <p:cNvPr id="1" name=""/>
-        <p:cNvGrpSpPr/>
-        <p:nvPr/>
-      </p:nvGrpSpPr>
-      <p:grpSpPr>
-        <a:xfrm>
-          <a:off x="0" y="0"/>
-          <a:ext cx="0" cy="0"/>
-          <a:chOff x="0" y="0"/>
-          <a:chExt cx="0" cy="0"/>
-        </a:xfrm>
-      </p:grpSpPr>
-      <p:sp>
-        <p:nvSpPr>
-          <p:cNvPr id="2" name="标题 1">
-            <a:extLst>
-              <a:ext uri="{FF2B5EF4-FFF2-40B4-BE49-F238E27FC236}">
-                <a16:creationId xmlns:a16="http://schemas.microsoft.com/office/drawing/2014/main" id="{BD25D131-652F-4ABF-A588-D1D2A865CF65}"/>
-              </a:ext>
-            </a:extLst>
-          </p:cNvPr>
-          <p:cNvSpPr>
-            <a:spLocks noGrp="1"/>
-          </p:cNvSpPr>
-          <p:nvPr>
-            <p:ph type="title"/>
-          </p:nvPr>
-        </p:nvSpPr>
-        <p:spPr/>
-        <p:txBody>
-          <a:bodyPr/>
-          <a:lstStyle/>
-          <a:p>
-            <a:r>
-              <a:rPr lang="zh-CN" altLang="en-US" b="0" dirty="0"/>
-              <a:t>编译指导</a:t>
-            </a:r>
-            <a:r>
-              <a:rPr lang="en-US" altLang="zh-CN" b="0" dirty="0"/>
-              <a:t>(Compiler Directives)</a:t>
-            </a:r>
-            <a:endParaRPr lang="zh-CN" altLang="en-US" dirty="0"/>
-          </a:p>
-        </p:txBody>
-      </p:sp>
-      <p:sp>
-        <p:nvSpPr>
-          <p:cNvPr id="3" name="内容占位符 2">
-            <a:extLst>
-              <a:ext uri="{FF2B5EF4-FFF2-40B4-BE49-F238E27FC236}">
-                <a16:creationId xmlns:a16="http://schemas.microsoft.com/office/drawing/2014/main" id="{22A0CA3B-1AC4-444D-A15E-572FB0B09284}"/>
-              </a:ext>
-            </a:extLst>
-          </p:cNvPr>
-          <p:cNvSpPr>
-            <a:spLocks noGrp="1"/>
-          </p:cNvSpPr>
-          <p:nvPr>
-            <p:ph idx="1"/>
-          </p:nvPr>
-        </p:nvSpPr>
-        <p:spPr/>
-        <p:txBody>
-          <a:bodyPr/>
-          <a:lstStyle/>
-          <a:p>
-            <a:r>
-              <a:rPr lang="en-US" altLang="zh-CN" b="0" dirty="0"/>
-              <a:t>(`)</a:t>
-            </a:r>
-            <a:r>
-              <a:rPr lang="zh-CN" altLang="en-US" b="0" dirty="0"/>
-              <a:t>符号说明一个编译指导</a:t>
-            </a:r>
-            <a:endParaRPr lang="en-US" altLang="zh-CN" b="0" dirty="0"/>
-          </a:p>
-          <a:p>
-            <a:endParaRPr lang="en-US" altLang="zh-CN" b="0" dirty="0"/>
-          </a:p>
-          <a:p>
-            <a:r>
-              <a:rPr lang="zh-CN" altLang="en-US" b="0" dirty="0"/>
-              <a:t>这些编译指导使仿真编译器进行一些特殊的操作</a:t>
-            </a:r>
-            <a:endParaRPr lang="en-US" altLang="zh-CN" b="0" dirty="0"/>
-          </a:p>
-          <a:p>
-            <a:endParaRPr lang="en-US" altLang="zh-CN" b="0" dirty="0"/>
-          </a:p>
-          <a:p>
-            <a:r>
-              <a:rPr lang="zh-CN" altLang="en-US" b="0" dirty="0"/>
-              <a:t>编译指导一直保持有效直到被覆盖或解除</a:t>
-            </a:r>
-            <a:endParaRPr lang="en-US" altLang="zh-CN" b="0" dirty="0"/>
-          </a:p>
-          <a:p>
-            <a:endParaRPr lang="en-US" altLang="zh-CN" b="0" dirty="0"/>
-          </a:p>
-          <a:p>
-            <a:r>
-              <a:rPr lang="en-US" altLang="zh-CN" b="0" dirty="0"/>
-              <a:t>`</a:t>
-            </a:r>
-            <a:r>
-              <a:rPr lang="en-US" altLang="zh-CN" b="0" dirty="0" err="1"/>
-              <a:t>resetall</a:t>
-            </a:r>
-            <a:r>
-              <a:rPr lang="zh-CN" altLang="en-US" b="0" dirty="0"/>
-              <a:t>复位所有的编译指导为缺省值，应该在其它编译指导之前使用</a:t>
-            </a:r>
-          </a:p>
-          <a:p>
-            <a:endParaRPr lang="zh-CN" altLang="en-US" dirty="0"/>
-          </a:p>
-        </p:txBody>
-      </p:sp>
-    </p:spTree>
-    <p:extLst>
-      <p:ext uri="{BB962C8B-B14F-4D97-AF65-F5344CB8AC3E}">
-        <p14:creationId xmlns:p14="http://schemas.microsoft.com/office/powerpoint/2010/main" val="1922484313"/>
-      </p:ext>
-    </p:extLst>
-  </p:cSld>
-  <p:clrMapOvr>
-    <a:masterClrMapping/>
-  </p:clrMapOvr>
+  <mc:AlternateContent xmlns:mc="http://schemas.openxmlformats.org/markup-compatibility/2006" xmlns:p14="http://schemas.microsoft.com/office/powerpoint/2010/main">
+    <mc:Choice Requires="p14">
+      <p:transition spd="slow" p14:dur="2000"/>
+    </mc:Choice>
+    <mc:Fallback xmlns="">
+      <p:transition spd="slow"/>
+    </mc:Fallback>
+  </mc:AlternateContent>
 </p:sld>
 </file>
 
@@ -8901,7 +8880,7 @@
           <p:cNvPr id="2" name="标题 1">
             <a:extLst>
               <a:ext uri="{FF2B5EF4-FFF2-40B4-BE49-F238E27FC236}">
-                <a16:creationId xmlns:a16="http://schemas.microsoft.com/office/drawing/2014/main" id="{6AA19F3B-21E3-4C4F-BB30-8F8D54A6065B}"/>
+                <a16:creationId xmlns="" xmlns:a16="http://schemas.microsoft.com/office/drawing/2014/main" id="{BD25D131-652F-4ABF-A588-D1D2A865CF65}"/>
               </a:ext>
             </a:extLst>
           </p:cNvPr>
@@ -8919,11 +8898,11 @@
           <a:p>
             <a:r>
               <a:rPr lang="zh-CN" altLang="en-US" b="0" dirty="0"/>
-              <a:t>文本替换</a:t>
+              <a:t>编译指导</a:t>
             </a:r>
             <a:r>
               <a:rPr lang="en-US" altLang="zh-CN" b="0" dirty="0"/>
-              <a:t>(substitution) -`define</a:t>
+              <a:t>(Compiler Directives)</a:t>
             </a:r>
             <a:endParaRPr lang="zh-CN" altLang="en-US" dirty="0"/>
           </a:p>
@@ -8934,7 +8913,143 @@
           <p:cNvPr id="3" name="内容占位符 2">
             <a:extLst>
               <a:ext uri="{FF2B5EF4-FFF2-40B4-BE49-F238E27FC236}">
-                <a16:creationId xmlns:a16="http://schemas.microsoft.com/office/drawing/2014/main" id="{6CC82360-33FD-4157-AABD-3DE9CADF3054}"/>
+                <a16:creationId xmlns="" xmlns:a16="http://schemas.microsoft.com/office/drawing/2014/main" id="{22A0CA3B-1AC4-444D-A15E-572FB0B09284}"/>
+              </a:ext>
+            </a:extLst>
+          </p:cNvPr>
+          <p:cNvSpPr>
+            <a:spLocks noGrp="1"/>
+          </p:cNvSpPr>
+          <p:nvPr>
+            <p:ph idx="1"/>
+          </p:nvPr>
+        </p:nvSpPr>
+        <p:spPr/>
+        <p:txBody>
+          <a:bodyPr/>
+          <a:lstStyle/>
+          <a:p>
+            <a:r>
+              <a:rPr lang="en-US" altLang="zh-CN" b="0" dirty="0"/>
+              <a:t>(`)</a:t>
+            </a:r>
+            <a:r>
+              <a:rPr lang="zh-CN" altLang="en-US" b="0" dirty="0"/>
+              <a:t>符号说明一个编译指导</a:t>
+            </a:r>
+            <a:endParaRPr lang="en-US" altLang="zh-CN" b="0" dirty="0"/>
+          </a:p>
+          <a:p>
+            <a:endParaRPr lang="en-US" altLang="zh-CN" b="0" dirty="0"/>
+          </a:p>
+          <a:p>
+            <a:r>
+              <a:rPr lang="zh-CN" altLang="en-US" b="0" dirty="0"/>
+              <a:t>这些编译指导使仿真编译器进行一些特殊的操作</a:t>
+            </a:r>
+            <a:endParaRPr lang="en-US" altLang="zh-CN" b="0" dirty="0"/>
+          </a:p>
+          <a:p>
+            <a:endParaRPr lang="en-US" altLang="zh-CN" b="0" dirty="0"/>
+          </a:p>
+          <a:p>
+            <a:r>
+              <a:rPr lang="zh-CN" altLang="en-US" b="0" dirty="0"/>
+              <a:t>编译指导一直保持有效直到被覆盖或解除</a:t>
+            </a:r>
+            <a:endParaRPr lang="en-US" altLang="zh-CN" b="0" dirty="0"/>
+          </a:p>
+          <a:p>
+            <a:endParaRPr lang="en-US" altLang="zh-CN" b="0" dirty="0"/>
+          </a:p>
+          <a:p>
+            <a:r>
+              <a:rPr lang="en-US" altLang="zh-CN" b="0" dirty="0"/>
+              <a:t>`</a:t>
+            </a:r>
+            <a:r>
+              <a:rPr lang="en-US" altLang="zh-CN" b="0" dirty="0" err="1"/>
+              <a:t>resetall</a:t>
+            </a:r>
+            <a:r>
+              <a:rPr lang="zh-CN" altLang="en-US" b="0" dirty="0"/>
+              <a:t>复位所有的编译指导为缺省值，应该在其它编译指导之前使用</a:t>
+            </a:r>
+          </a:p>
+          <a:p>
+            <a:endParaRPr lang="zh-CN" altLang="en-US" dirty="0"/>
+          </a:p>
+        </p:txBody>
+      </p:sp>
+    </p:spTree>
+    <p:extLst>
+      <p:ext uri="{BB962C8B-B14F-4D97-AF65-F5344CB8AC3E}">
+        <p14:creationId xmlns:p14="http://schemas.microsoft.com/office/powerpoint/2010/main" val="1922484313"/>
+      </p:ext>
+    </p:extLst>
+  </p:cSld>
+  <p:clrMapOvr>
+    <a:masterClrMapping/>
+  </p:clrMapOvr>
+</p:sld>
+</file>
+
+<file path=ppt/slides/slide35.xml><?xml version="1.0" encoding="utf-8"?>
+<p:sld xmlns:a="http://schemas.openxmlformats.org/drawingml/2006/main" xmlns:r="http://schemas.openxmlformats.org/officeDocument/2006/relationships" xmlns:p="http://schemas.openxmlformats.org/presentationml/2006/main">
+  <p:cSld>
+    <p:spTree>
+      <p:nvGrpSpPr>
+        <p:cNvPr id="1" name=""/>
+        <p:cNvGrpSpPr/>
+        <p:nvPr/>
+      </p:nvGrpSpPr>
+      <p:grpSpPr>
+        <a:xfrm>
+          <a:off x="0" y="0"/>
+          <a:ext cx="0" cy="0"/>
+          <a:chOff x="0" y="0"/>
+          <a:chExt cx="0" cy="0"/>
+        </a:xfrm>
+      </p:grpSpPr>
+      <p:sp>
+        <p:nvSpPr>
+          <p:cNvPr id="2" name="标题 1">
+            <a:extLst>
+              <a:ext uri="{FF2B5EF4-FFF2-40B4-BE49-F238E27FC236}">
+                <a16:creationId xmlns="" xmlns:a16="http://schemas.microsoft.com/office/drawing/2014/main" id="{6AA19F3B-21E3-4C4F-BB30-8F8D54A6065B}"/>
+              </a:ext>
+            </a:extLst>
+          </p:cNvPr>
+          <p:cNvSpPr>
+            <a:spLocks noGrp="1"/>
+          </p:cNvSpPr>
+          <p:nvPr>
+            <p:ph type="title"/>
+          </p:nvPr>
+        </p:nvSpPr>
+        <p:spPr/>
+        <p:txBody>
+          <a:bodyPr/>
+          <a:lstStyle/>
+          <a:p>
+            <a:r>
+              <a:rPr lang="zh-CN" altLang="en-US" b="0" dirty="0"/>
+              <a:t>文本替换</a:t>
+            </a:r>
+            <a:r>
+              <a:rPr lang="en-US" altLang="zh-CN" b="0" dirty="0"/>
+              <a:t>(substitution) -`define</a:t>
+            </a:r>
+            <a:endParaRPr lang="zh-CN" altLang="en-US" dirty="0"/>
+          </a:p>
+        </p:txBody>
+      </p:sp>
+      <p:sp>
+        <p:nvSpPr>
+          <p:cNvPr id="3" name="内容占位符 2">
+            <a:extLst>
+              <a:ext uri="{FF2B5EF4-FFF2-40B4-BE49-F238E27FC236}">
+                <a16:creationId xmlns="" xmlns:a16="http://schemas.microsoft.com/office/drawing/2014/main" id="{6CC82360-33FD-4157-AABD-3DE9CADF3054}"/>
               </a:ext>
             </a:extLst>
           </p:cNvPr>
@@ -9085,7 +9200,7 @@
           <p:cNvPr id="4" name="图片 3">
             <a:extLst>
               <a:ext uri="{FF2B5EF4-FFF2-40B4-BE49-F238E27FC236}">
-                <a16:creationId xmlns:a16="http://schemas.microsoft.com/office/drawing/2014/main" id="{16B75751-761A-4C0A-A467-658ADDE70B7E}"/>
+                <a16:creationId xmlns="" xmlns:a16="http://schemas.microsoft.com/office/drawing/2014/main" id="{16B75751-761A-4C0A-A467-658ADDE70B7E}"/>
               </a:ext>
             </a:extLst>
           </p:cNvPr>
@@ -9123,7 +9238,7 @@
 </p:sld>
 </file>
 
-<file path=ppt/slides/slide35.xml><?xml version="1.0" encoding="utf-8"?>
+<file path=ppt/slides/slide36.xml><?xml version="1.0" encoding="utf-8"?>
 <p:sld xmlns:a="http://schemas.openxmlformats.org/drawingml/2006/main" xmlns:r="http://schemas.openxmlformats.org/officeDocument/2006/relationships" xmlns:p="http://schemas.openxmlformats.org/presentationml/2006/main">
   <p:cSld>
     <p:spTree>
@@ -9145,7 +9260,7 @@
           <p:cNvPr id="2" name="标题 1">
             <a:extLst>
               <a:ext uri="{FF2B5EF4-FFF2-40B4-BE49-F238E27FC236}">
-                <a16:creationId xmlns:a16="http://schemas.microsoft.com/office/drawing/2014/main" id="{F36447C7-85E7-4DDF-92DF-96CF8E87370C}"/>
+                <a16:creationId xmlns="" xmlns:a16="http://schemas.microsoft.com/office/drawing/2014/main" id="{F36447C7-85E7-4DDF-92DF-96CF8E87370C}"/>
               </a:ext>
             </a:extLst>
           </p:cNvPr>
@@ -9178,7 +9293,7 @@
           <p:cNvPr id="3" name="内容占位符 2">
             <a:extLst>
               <a:ext uri="{FF2B5EF4-FFF2-40B4-BE49-F238E27FC236}">
-                <a16:creationId xmlns:a16="http://schemas.microsoft.com/office/drawing/2014/main" id="{2555C395-4376-4F72-BB52-A722CB79B624}"/>
+                <a16:creationId xmlns="" xmlns:a16="http://schemas.microsoft.com/office/drawing/2014/main" id="{2555C395-4376-4F72-BB52-A722CB79B624}"/>
               </a:ext>
             </a:extLst>
           </p:cNvPr>
@@ -9203,7 +9318,7 @@
           <p:cNvPr id="4" name="图片 3">
             <a:extLst>
               <a:ext uri="{FF2B5EF4-FFF2-40B4-BE49-F238E27FC236}">
-                <a16:creationId xmlns:a16="http://schemas.microsoft.com/office/drawing/2014/main" id="{4BD9EDAB-90BA-4F8A-8BBF-A93329FDEF12}"/>
+                <a16:creationId xmlns="" xmlns:a16="http://schemas.microsoft.com/office/drawing/2014/main" id="{4BD9EDAB-90BA-4F8A-8BBF-A93329FDEF12}"/>
               </a:ext>
             </a:extLst>
           </p:cNvPr>
@@ -9241,7 +9356,7 @@
 </p:sld>
 </file>
 
-<file path=ppt/slides/slide36.xml><?xml version="1.0" encoding="utf-8"?>
+<file path=ppt/slides/slide37.xml><?xml version="1.0" encoding="utf-8"?>
 <p:sld xmlns:a="http://schemas.openxmlformats.org/drawingml/2006/main" xmlns:r="http://schemas.openxmlformats.org/officeDocument/2006/relationships" xmlns:p="http://schemas.openxmlformats.org/presentationml/2006/main">
   <p:cSld>
     <p:spTree>
@@ -9263,7 +9378,7 @@
           <p:cNvPr id="2" name="标题 1">
             <a:extLst>
               <a:ext uri="{FF2B5EF4-FFF2-40B4-BE49-F238E27FC236}">
-                <a16:creationId xmlns:a16="http://schemas.microsoft.com/office/drawing/2014/main" id="{B4AD2875-FBEB-4BF9-AF4D-C53EB76F355D}"/>
+                <a16:creationId xmlns="" xmlns:a16="http://schemas.microsoft.com/office/drawing/2014/main" id="{B4AD2875-FBEB-4BF9-AF4D-C53EB76F355D}"/>
               </a:ext>
             </a:extLst>
           </p:cNvPr>
@@ -9291,7 +9406,7 @@
           <p:cNvPr id="3" name="内容占位符 2">
             <a:extLst>
               <a:ext uri="{FF2B5EF4-FFF2-40B4-BE49-F238E27FC236}">
-                <a16:creationId xmlns:a16="http://schemas.microsoft.com/office/drawing/2014/main" id="{8DB2C7F4-811A-46AA-85F1-24D0CA4029A7}"/>
+                <a16:creationId xmlns="" xmlns:a16="http://schemas.microsoft.com/office/drawing/2014/main" id="{8DB2C7F4-811A-46AA-85F1-24D0CA4029A7}"/>
               </a:ext>
             </a:extLst>
           </p:cNvPr>
@@ -9316,7 +9431,7 @@
           <p:cNvPr id="4" name="图片 3">
             <a:extLst>
               <a:ext uri="{FF2B5EF4-FFF2-40B4-BE49-F238E27FC236}">
-                <a16:creationId xmlns:a16="http://schemas.microsoft.com/office/drawing/2014/main" id="{1DCB66FC-5ECB-4CB0-873D-63A7C88B4BFF}"/>
+                <a16:creationId xmlns="" xmlns:a16="http://schemas.microsoft.com/office/drawing/2014/main" id="{1DCB66FC-5ECB-4CB0-873D-63A7C88B4BFF}"/>
               </a:ext>
             </a:extLst>
           </p:cNvPr>
@@ -9354,7 +9469,7 @@
 </p:sld>
 </file>
 
-<file path=ppt/slides/slide37.xml><?xml version="1.0" encoding="utf-8"?>
+<file path=ppt/slides/slide38.xml><?xml version="1.0" encoding="utf-8"?>
 <p:sld xmlns:a="http://schemas.openxmlformats.org/drawingml/2006/main" xmlns:r="http://schemas.openxmlformats.org/officeDocument/2006/relationships" xmlns:p="http://schemas.openxmlformats.org/presentationml/2006/main">
   <p:cSld>
     <p:spTree>
@@ -9376,7 +9491,7 @@
           <p:cNvPr id="2" name="标题 1">
             <a:extLst>
               <a:ext uri="{FF2B5EF4-FFF2-40B4-BE49-F238E27FC236}">
-                <a16:creationId xmlns:a16="http://schemas.microsoft.com/office/drawing/2014/main" id="{5A1831D3-3735-4295-BCDC-776BD89FD67E}"/>
+                <a16:creationId xmlns="" xmlns:a16="http://schemas.microsoft.com/office/drawing/2014/main" id="{5A1831D3-3735-4295-BCDC-776BD89FD67E}"/>
               </a:ext>
             </a:extLst>
           </p:cNvPr>
@@ -9405,7 +9520,7 @@
           <p:cNvPr id="3" name="内容占位符 2">
             <a:extLst>
               <a:ext uri="{FF2B5EF4-FFF2-40B4-BE49-F238E27FC236}">
-                <a16:creationId xmlns:a16="http://schemas.microsoft.com/office/drawing/2014/main" id="{64F537FD-6FA1-4A07-A130-03C6285EBE90}"/>
+                <a16:creationId xmlns="" xmlns:a16="http://schemas.microsoft.com/office/drawing/2014/main" id="{64F537FD-6FA1-4A07-A130-03C6285EBE90}"/>
               </a:ext>
             </a:extLst>
           </p:cNvPr>
@@ -9430,7 +9545,7 @@
           <p:cNvPr id="4" name="图片 3">
             <a:extLst>
               <a:ext uri="{FF2B5EF4-FFF2-40B4-BE49-F238E27FC236}">
-                <a16:creationId xmlns:a16="http://schemas.microsoft.com/office/drawing/2014/main" id="{D3D66112-37D3-4509-8FE3-2CFCB3D92F79}"/>
+                <a16:creationId xmlns="" xmlns:a16="http://schemas.microsoft.com/office/drawing/2014/main" id="{D3D66112-37D3-4509-8FE3-2CFCB3D92F79}"/>
               </a:ext>
             </a:extLst>
           </p:cNvPr>
@@ -9468,7 +9583,7 @@
 </p:sld>
 </file>
 
-<file path=ppt/slides/slide38.xml><?xml version="1.0" encoding="utf-8"?>
+<file path=ppt/slides/slide39.xml><?xml version="1.0" encoding="utf-8"?>
 <p:sld xmlns:a="http://schemas.openxmlformats.org/drawingml/2006/main" xmlns:r="http://schemas.openxmlformats.org/officeDocument/2006/relationships" xmlns:p="http://schemas.openxmlformats.org/presentationml/2006/main">
   <p:cSld>
     <p:spTree>
@@ -9490,7 +9605,7 @@
           <p:cNvPr id="2" name="标题 1">
             <a:extLst>
               <a:ext uri="{FF2B5EF4-FFF2-40B4-BE49-F238E27FC236}">
-                <a16:creationId xmlns:a16="http://schemas.microsoft.com/office/drawing/2014/main" id="{2ECDFFEE-574B-4167-93FB-9DCB18C74439}"/>
+                <a16:creationId xmlns="" xmlns:a16="http://schemas.microsoft.com/office/drawing/2014/main" id="{2ECDFFEE-574B-4167-93FB-9DCB18C74439}"/>
               </a:ext>
             </a:extLst>
           </p:cNvPr>
@@ -9519,7 +9634,7 @@
           <p:cNvPr id="3" name="内容占位符 2">
             <a:extLst>
               <a:ext uri="{FF2B5EF4-FFF2-40B4-BE49-F238E27FC236}">
-                <a16:creationId xmlns:a16="http://schemas.microsoft.com/office/drawing/2014/main" id="{AC35CC3A-D78A-4944-9996-D2A99C3CE73F}"/>
+                <a16:creationId xmlns="" xmlns:a16="http://schemas.microsoft.com/office/drawing/2014/main" id="{AC35CC3A-D78A-4944-9996-D2A99C3CE73F}"/>
               </a:ext>
             </a:extLst>
           </p:cNvPr>
@@ -9544,7 +9659,7 @@
           <p:cNvPr id="4" name="图片 3">
             <a:extLst>
               <a:ext uri="{FF2B5EF4-FFF2-40B4-BE49-F238E27FC236}">
-                <a16:creationId xmlns:a16="http://schemas.microsoft.com/office/drawing/2014/main" id="{686CD87B-A0CC-45AD-B41C-F1251542FB14}"/>
+                <a16:creationId xmlns="" xmlns:a16="http://schemas.microsoft.com/office/drawing/2014/main" id="{686CD87B-A0CC-45AD-B41C-F1251542FB14}"/>
               </a:ext>
             </a:extLst>
           </p:cNvPr>
@@ -9582,7 +9697,7 @@
 </p:sld>
 </file>
 
-<file path=ppt/slides/slide39.xml><?xml version="1.0" encoding="utf-8"?>
+<file path=ppt/slides/slide4.xml><?xml version="1.0" encoding="utf-8"?>
 <p:sld xmlns:a="http://schemas.openxmlformats.org/drawingml/2006/main" xmlns:r="http://schemas.openxmlformats.org/officeDocument/2006/relationships" xmlns:p="http://schemas.openxmlformats.org/presentationml/2006/main">
   <p:cSld>
     <p:spTree>
@@ -9604,7 +9719,7 @@
           <p:cNvPr id="2" name="标题 1">
             <a:extLst>
               <a:ext uri="{FF2B5EF4-FFF2-40B4-BE49-F238E27FC236}">
-                <a16:creationId xmlns:a16="http://schemas.microsoft.com/office/drawing/2014/main" id="{F70520E3-F4CD-4F42-A0C6-93BE4CC504F7}"/>
+                <a16:creationId xmlns="" xmlns:a16="http://schemas.microsoft.com/office/drawing/2014/main" id="{9D44C20C-1227-464E-A0EC-5499C26832EC}"/>
               </a:ext>
             </a:extLst>
           </p:cNvPr>
@@ -9621,10 +9736,9 @@
           <a:lstStyle/>
           <a:p>
             <a:r>
-              <a:rPr lang="en-US" altLang="zh-CN" dirty="0"/>
-              <a:t>timescale</a:t>
-            </a:r>
-            <a:endParaRPr lang="zh-CN" altLang="en-US" dirty="0"/>
+              <a:rPr lang="zh-CN" altLang="en-US" dirty="0"/>
+              <a:t>注释</a:t>
+            </a:r>
           </a:p>
         </p:txBody>
       </p:sp>
@@ -9633,7 +9747,142 @@
           <p:cNvPr id="3" name="内容占位符 2">
             <a:extLst>
               <a:ext uri="{FF2B5EF4-FFF2-40B4-BE49-F238E27FC236}">
-                <a16:creationId xmlns:a16="http://schemas.microsoft.com/office/drawing/2014/main" id="{4D1E96DB-1BEF-4E3D-84E4-19B9632A7CCC}"/>
+                <a16:creationId xmlns="" xmlns:a16="http://schemas.microsoft.com/office/drawing/2014/main" id="{B133893E-1A6A-4562-8911-02AD8DD03514}"/>
+              </a:ext>
+            </a:extLst>
+          </p:cNvPr>
+          <p:cNvSpPr>
+            <a:spLocks noGrp="1"/>
+          </p:cNvSpPr>
+          <p:nvPr>
+            <p:ph idx="1"/>
+          </p:nvPr>
+        </p:nvSpPr>
+        <p:spPr/>
+        <p:txBody>
+          <a:bodyPr/>
+          <a:lstStyle/>
+          <a:p>
+            <a:r>
+              <a:rPr lang="zh-CN" altLang="en-US" dirty="0"/>
+              <a:t>单行注释  </a:t>
+            </a:r>
+            <a:r>
+              <a:rPr lang="en-US" altLang="zh-CN" dirty="0"/>
+              <a:t>//</a:t>
+            </a:r>
+          </a:p>
+          <a:p>
+            <a:endParaRPr lang="en-US" altLang="zh-CN" dirty="0"/>
+          </a:p>
+          <a:p>
+            <a:r>
+              <a:rPr lang="zh-CN" altLang="en-US" dirty="0"/>
+              <a:t>多行注释</a:t>
+            </a:r>
+            <a:r>
+              <a:rPr lang="en-US" altLang="zh-CN" dirty="0"/>
+              <a:t>   /*   */</a:t>
+            </a:r>
+          </a:p>
+          <a:p>
+            <a:endParaRPr lang="en-US" altLang="zh-CN" dirty="0"/>
+          </a:p>
+          <a:p>
+            <a:r>
+              <a:rPr lang="zh-CN" altLang="en-US" dirty="0"/>
+              <a:t>多行注释</a:t>
+            </a:r>
+            <a:r>
+              <a:rPr lang="zh-CN" altLang="en-US" dirty="0">
+                <a:solidFill>
+                  <a:srgbClr val="FF0000"/>
+                </a:solidFill>
+              </a:rPr>
+              <a:t>不能嵌套</a:t>
+            </a:r>
+            <a:endParaRPr lang="en-US" altLang="zh-CN" dirty="0">
+              <a:solidFill>
+                <a:srgbClr val="FF0000"/>
+              </a:solidFill>
+            </a:endParaRPr>
+          </a:p>
+          <a:p>
+            <a:endParaRPr lang="en-US" altLang="zh-CN" dirty="0"/>
+          </a:p>
+          <a:p>
+            <a:r>
+              <a:rPr lang="zh-CN" altLang="en-US" dirty="0"/>
+              <a:t>单行注释可以嵌套在多行注释中</a:t>
+            </a:r>
+          </a:p>
+        </p:txBody>
+      </p:sp>
+    </p:spTree>
+    <p:extLst>
+      <p:ext uri="{BB962C8B-B14F-4D97-AF65-F5344CB8AC3E}">
+        <p14:creationId xmlns:p14="http://schemas.microsoft.com/office/powerpoint/2010/main" val="2883065446"/>
+      </p:ext>
+    </p:extLst>
+  </p:cSld>
+  <p:clrMapOvr>
+    <a:masterClrMapping/>
+  </p:clrMapOvr>
+</p:sld>
+</file>
+
+<file path=ppt/slides/slide40.xml><?xml version="1.0" encoding="utf-8"?>
+<p:sld xmlns:a="http://schemas.openxmlformats.org/drawingml/2006/main" xmlns:r="http://schemas.openxmlformats.org/officeDocument/2006/relationships" xmlns:p="http://schemas.openxmlformats.org/presentationml/2006/main">
+  <p:cSld>
+    <p:spTree>
+      <p:nvGrpSpPr>
+        <p:cNvPr id="1" name=""/>
+        <p:cNvGrpSpPr/>
+        <p:nvPr/>
+      </p:nvGrpSpPr>
+      <p:grpSpPr>
+        <a:xfrm>
+          <a:off x="0" y="0"/>
+          <a:ext cx="0" cy="0"/>
+          <a:chOff x="0" y="0"/>
+          <a:chExt cx="0" cy="0"/>
+        </a:xfrm>
+      </p:grpSpPr>
+      <p:sp>
+        <p:nvSpPr>
+          <p:cNvPr id="2" name="标题 1">
+            <a:extLst>
+              <a:ext uri="{FF2B5EF4-FFF2-40B4-BE49-F238E27FC236}">
+                <a16:creationId xmlns="" xmlns:a16="http://schemas.microsoft.com/office/drawing/2014/main" id="{F70520E3-F4CD-4F42-A0C6-93BE4CC504F7}"/>
+              </a:ext>
+            </a:extLst>
+          </p:cNvPr>
+          <p:cNvSpPr>
+            <a:spLocks noGrp="1"/>
+          </p:cNvSpPr>
+          <p:nvPr>
+            <p:ph type="title"/>
+          </p:nvPr>
+        </p:nvSpPr>
+        <p:spPr/>
+        <p:txBody>
+          <a:bodyPr/>
+          <a:lstStyle/>
+          <a:p>
+            <a:r>
+              <a:rPr lang="en-US" altLang="zh-CN" dirty="0"/>
+              <a:t>timescale</a:t>
+            </a:r>
+            <a:endParaRPr lang="zh-CN" altLang="en-US" dirty="0"/>
+          </a:p>
+        </p:txBody>
+      </p:sp>
+      <p:sp>
+        <p:nvSpPr>
+          <p:cNvPr id="3" name="内容占位符 2">
+            <a:extLst>
+              <a:ext uri="{FF2B5EF4-FFF2-40B4-BE49-F238E27FC236}">
+                <a16:creationId xmlns="" xmlns:a16="http://schemas.microsoft.com/office/drawing/2014/main" id="{4D1E96DB-1BEF-4E3D-84E4-19B9632A7CCC}"/>
               </a:ext>
             </a:extLst>
           </p:cNvPr>
@@ -9658,7 +9907,7 @@
           <p:cNvPr id="4" name="图片 3">
             <a:extLst>
               <a:ext uri="{FF2B5EF4-FFF2-40B4-BE49-F238E27FC236}">
-                <a16:creationId xmlns:a16="http://schemas.microsoft.com/office/drawing/2014/main" id="{1140D1F0-D0E8-429D-9A55-FFEAE6F39480}"/>
+                <a16:creationId xmlns="" xmlns:a16="http://schemas.microsoft.com/office/drawing/2014/main" id="{1140D1F0-D0E8-429D-9A55-FFEAE6F39480}"/>
               </a:ext>
             </a:extLst>
           </p:cNvPr>
@@ -9696,140 +9945,6 @@
 </p:sld>
 </file>
 
-<file path=ppt/slides/slide4.xml><?xml version="1.0" encoding="utf-8"?>
-<p:sld xmlns:a="http://schemas.openxmlformats.org/drawingml/2006/main" xmlns:r="http://schemas.openxmlformats.org/officeDocument/2006/relationships" xmlns:p="http://schemas.openxmlformats.org/presentationml/2006/main">
-  <p:cSld>
-    <p:spTree>
-      <p:nvGrpSpPr>
-        <p:cNvPr id="1" name=""/>
-        <p:cNvGrpSpPr/>
-        <p:nvPr/>
-      </p:nvGrpSpPr>
-      <p:grpSpPr>
-        <a:xfrm>
-          <a:off x="0" y="0"/>
-          <a:ext cx="0" cy="0"/>
-          <a:chOff x="0" y="0"/>
-          <a:chExt cx="0" cy="0"/>
-        </a:xfrm>
-      </p:grpSpPr>
-      <p:sp>
-        <p:nvSpPr>
-          <p:cNvPr id="2" name="标题 1">
-            <a:extLst>
-              <a:ext uri="{FF2B5EF4-FFF2-40B4-BE49-F238E27FC236}">
-                <a16:creationId xmlns:a16="http://schemas.microsoft.com/office/drawing/2014/main" id="{9D44C20C-1227-464E-A0EC-5499C26832EC}"/>
-              </a:ext>
-            </a:extLst>
-          </p:cNvPr>
-          <p:cNvSpPr>
-            <a:spLocks noGrp="1"/>
-          </p:cNvSpPr>
-          <p:nvPr>
-            <p:ph type="title"/>
-          </p:nvPr>
-        </p:nvSpPr>
-        <p:spPr/>
-        <p:txBody>
-          <a:bodyPr/>
-          <a:lstStyle/>
-          <a:p>
-            <a:r>
-              <a:rPr lang="zh-CN" altLang="en-US" dirty="0"/>
-              <a:t>注释</a:t>
-            </a:r>
-          </a:p>
-        </p:txBody>
-      </p:sp>
-      <p:sp>
-        <p:nvSpPr>
-          <p:cNvPr id="3" name="内容占位符 2">
-            <a:extLst>
-              <a:ext uri="{FF2B5EF4-FFF2-40B4-BE49-F238E27FC236}">
-                <a16:creationId xmlns:a16="http://schemas.microsoft.com/office/drawing/2014/main" id="{B133893E-1A6A-4562-8911-02AD8DD03514}"/>
-              </a:ext>
-            </a:extLst>
-          </p:cNvPr>
-          <p:cNvSpPr>
-            <a:spLocks noGrp="1"/>
-          </p:cNvSpPr>
-          <p:nvPr>
-            <p:ph idx="1"/>
-          </p:nvPr>
-        </p:nvSpPr>
-        <p:spPr/>
-        <p:txBody>
-          <a:bodyPr/>
-          <a:lstStyle/>
-          <a:p>
-            <a:r>
-              <a:rPr lang="zh-CN" altLang="en-US" dirty="0"/>
-              <a:t>单行注释  </a:t>
-            </a:r>
-            <a:r>
-              <a:rPr lang="en-US" altLang="zh-CN" dirty="0"/>
-              <a:t>//</a:t>
-            </a:r>
-          </a:p>
-          <a:p>
-            <a:endParaRPr lang="en-US" altLang="zh-CN" dirty="0"/>
-          </a:p>
-          <a:p>
-            <a:r>
-              <a:rPr lang="zh-CN" altLang="en-US" dirty="0"/>
-              <a:t>多行注释</a:t>
-            </a:r>
-            <a:r>
-              <a:rPr lang="en-US" altLang="zh-CN" dirty="0"/>
-              <a:t>   /*   */</a:t>
-            </a:r>
-          </a:p>
-          <a:p>
-            <a:endParaRPr lang="en-US" altLang="zh-CN" dirty="0"/>
-          </a:p>
-          <a:p>
-            <a:r>
-              <a:rPr lang="zh-CN" altLang="en-US" dirty="0"/>
-              <a:t>多行注释</a:t>
-            </a:r>
-            <a:r>
-              <a:rPr lang="zh-CN" altLang="en-US" dirty="0">
-                <a:solidFill>
-                  <a:srgbClr val="FF0000"/>
-                </a:solidFill>
-              </a:rPr>
-              <a:t>不能嵌套</a:t>
-            </a:r>
-            <a:endParaRPr lang="en-US" altLang="zh-CN" dirty="0">
-              <a:solidFill>
-                <a:srgbClr val="FF0000"/>
-              </a:solidFill>
-            </a:endParaRPr>
-          </a:p>
-          <a:p>
-            <a:endParaRPr lang="en-US" altLang="zh-CN" dirty="0"/>
-          </a:p>
-          <a:p>
-            <a:r>
-              <a:rPr lang="zh-CN" altLang="en-US" dirty="0"/>
-              <a:t>单行注释可以嵌套在多行注释中</a:t>
-            </a:r>
-          </a:p>
-        </p:txBody>
-      </p:sp>
-    </p:spTree>
-    <p:extLst>
-      <p:ext uri="{BB962C8B-B14F-4D97-AF65-F5344CB8AC3E}">
-        <p14:creationId xmlns:p14="http://schemas.microsoft.com/office/powerpoint/2010/main" val="2883065446"/>
-      </p:ext>
-    </p:extLst>
-  </p:cSld>
-  <p:clrMapOvr>
-    <a:masterClrMapping/>
-  </p:clrMapOvr>
-</p:sld>
-</file>
-
 <file path=ppt/slides/slide5.xml><?xml version="1.0" encoding="utf-8"?>
 <p:sld xmlns:a="http://schemas.openxmlformats.org/drawingml/2006/main" xmlns:r="http://schemas.openxmlformats.org/officeDocument/2006/relationships" xmlns:p="http://schemas.openxmlformats.org/presentationml/2006/main">
   <p:cSld>
@@ -9852,7 +9967,7 @@
           <p:cNvPr id="2" name="标题 1">
             <a:extLst>
               <a:ext uri="{FF2B5EF4-FFF2-40B4-BE49-F238E27FC236}">
-                <a16:creationId xmlns:a16="http://schemas.microsoft.com/office/drawing/2014/main" id="{BA1B2969-5820-49FA-8554-78DF03FE4B6D}"/>
+                <a16:creationId xmlns="" xmlns:a16="http://schemas.microsoft.com/office/drawing/2014/main" id="{BA1B2969-5820-49FA-8554-78DF03FE4B6D}"/>
               </a:ext>
             </a:extLst>
           </p:cNvPr>
@@ -9880,7 +9995,7 @@
           <p:cNvPr id="3" name="内容占位符 2">
             <a:extLst>
               <a:ext uri="{FF2B5EF4-FFF2-40B4-BE49-F238E27FC236}">
-                <a16:creationId xmlns:a16="http://schemas.microsoft.com/office/drawing/2014/main" id="{0FCA0CEF-B5AA-49B4-9588-C2683C94DA4D}"/>
+                <a16:creationId xmlns="" xmlns:a16="http://schemas.microsoft.com/office/drawing/2014/main" id="{0FCA0CEF-B5AA-49B4-9588-C2683C94DA4D}"/>
               </a:ext>
             </a:extLst>
           </p:cNvPr>
@@ -9978,7 +10093,7 @@
           <p:cNvPr id="2" name="标题 1">
             <a:extLst>
               <a:ext uri="{FF2B5EF4-FFF2-40B4-BE49-F238E27FC236}">
-                <a16:creationId xmlns:a16="http://schemas.microsoft.com/office/drawing/2014/main" id="{A9096BE6-B3EF-45FF-A7DC-825D73364E3E}"/>
+                <a16:creationId xmlns="" xmlns:a16="http://schemas.microsoft.com/office/drawing/2014/main" id="{A9096BE6-B3EF-45FF-A7DC-825D73364E3E}"/>
               </a:ext>
             </a:extLst>
           </p:cNvPr>
@@ -10006,7 +10121,7 @@
           <p:cNvPr id="3" name="内容占位符 2">
             <a:extLst>
               <a:ext uri="{FF2B5EF4-FFF2-40B4-BE49-F238E27FC236}">
-                <a16:creationId xmlns:a16="http://schemas.microsoft.com/office/drawing/2014/main" id="{59CD004C-7951-413C-A4CC-909D2585342E}"/>
+                <a16:creationId xmlns="" xmlns:a16="http://schemas.microsoft.com/office/drawing/2014/main" id="{59CD004C-7951-413C-A4CC-909D2585342E}"/>
               </a:ext>
             </a:extLst>
           </p:cNvPr>
@@ -10077,7 +10192,7 @@
           <p:cNvPr id="2" name="标题 1">
             <a:extLst>
               <a:ext uri="{FF2B5EF4-FFF2-40B4-BE49-F238E27FC236}">
-                <a16:creationId xmlns:a16="http://schemas.microsoft.com/office/drawing/2014/main" id="{195DC3B1-D98B-40B7-B1B2-E7E1CBCF92D2}"/>
+                <a16:creationId xmlns="" xmlns:a16="http://schemas.microsoft.com/office/drawing/2014/main" id="{195DC3B1-D98B-40B7-B1B2-E7E1CBCF92D2}"/>
               </a:ext>
             </a:extLst>
           </p:cNvPr>
@@ -10105,7 +10220,7 @@
           <p:cNvPr id="3" name="内容占位符 2">
             <a:extLst>
               <a:ext uri="{FF2B5EF4-FFF2-40B4-BE49-F238E27FC236}">
-                <a16:creationId xmlns:a16="http://schemas.microsoft.com/office/drawing/2014/main" id="{7D476C1C-A108-4FC8-AC07-0042667CC94F}"/>
+                <a16:creationId xmlns="" xmlns:a16="http://schemas.microsoft.com/office/drawing/2014/main" id="{7D476C1C-A108-4FC8-AC07-0042667CC94F}"/>
               </a:ext>
             </a:extLst>
           </p:cNvPr>
@@ -10312,7 +10427,7 @@
           <p:cNvPr id="2" name="标题 1">
             <a:extLst>
               <a:ext uri="{FF2B5EF4-FFF2-40B4-BE49-F238E27FC236}">
-                <a16:creationId xmlns:a16="http://schemas.microsoft.com/office/drawing/2014/main" id="{6EA94643-ACD1-4C89-AF60-FF7BFABDA6FF}"/>
+                <a16:creationId xmlns="" xmlns:a16="http://schemas.microsoft.com/office/drawing/2014/main" id="{6EA94643-ACD1-4C89-AF60-FF7BFABDA6FF}"/>
               </a:ext>
             </a:extLst>
           </p:cNvPr>
@@ -10340,7 +10455,7 @@
           <p:cNvPr id="3" name="内容占位符 2">
             <a:extLst>
               <a:ext uri="{FF2B5EF4-FFF2-40B4-BE49-F238E27FC236}">
-                <a16:creationId xmlns:a16="http://schemas.microsoft.com/office/drawing/2014/main" id="{8EB77371-928D-4C87-AEFC-8C51D1B15A20}"/>
+                <a16:creationId xmlns="" xmlns:a16="http://schemas.microsoft.com/office/drawing/2014/main" id="{8EB77371-928D-4C87-AEFC-8C51D1B15A20}"/>
               </a:ext>
             </a:extLst>
           </p:cNvPr>
@@ -10416,7 +10531,7 @@
           <p:cNvPr id="2" name="标题 1">
             <a:extLst>
               <a:ext uri="{FF2B5EF4-FFF2-40B4-BE49-F238E27FC236}">
-                <a16:creationId xmlns:a16="http://schemas.microsoft.com/office/drawing/2014/main" id="{7ABB5D6B-E9EE-4871-943F-905DB08B442D}"/>
+                <a16:creationId xmlns="" xmlns:a16="http://schemas.microsoft.com/office/drawing/2014/main" id="{7ABB5D6B-E9EE-4871-943F-905DB08B442D}"/>
               </a:ext>
             </a:extLst>
           </p:cNvPr>
@@ -10453,7 +10568,7 @@
           <p:cNvPr id="3" name="内容占位符 2">
             <a:extLst>
               <a:ext uri="{FF2B5EF4-FFF2-40B4-BE49-F238E27FC236}">
-                <a16:creationId xmlns:a16="http://schemas.microsoft.com/office/drawing/2014/main" id="{208AA434-DDEC-4439-92BE-BBE4A0FC529A}"/>
+                <a16:creationId xmlns="" xmlns:a16="http://schemas.microsoft.com/office/drawing/2014/main" id="{208AA434-DDEC-4439-92BE-BBE4A0FC529A}"/>
               </a:ext>
             </a:extLst>
           </p:cNvPr>
@@ -11171,7 +11286,7 @@
     </a:clrScheme>
     <a:fontScheme name="Office">
       <a:majorFont>
-        <a:latin typeface="等线 Light" panose="020F0302020204030204"/>
+        <a:latin typeface="等线 Light"/>
         <a:ea typeface=""/>
         <a:cs typeface=""/>
         <a:font script="Jpan" typeface="游ゴシック Light"/>
@@ -11223,7 +11338,7 @@
         <a:font script="Tfng" typeface="Ebrima"/>
       </a:majorFont>
       <a:minorFont>
-        <a:latin typeface="等线" panose="020F0502020204030204"/>
+        <a:latin typeface="等线"/>
         <a:ea typeface=""/>
         <a:cs typeface=""/>
         <a:font script="Jpan" typeface="游ゴシック"/>
@@ -11417,7 +11532,7 @@
   <a:extraClrSchemeLst/>
   <a:extLst>
     <a:ext uri="{05A4C25C-085E-4340-85A3-A5531E510DB2}">
-      <thm15:themeFamily xmlns:thm15="http://schemas.microsoft.com/office/thememl/2012/main" name="Office Theme" id="{62F939B6-93AF-4DB8-9C6B-D6C7DFDC589F}" vid="{4A3C46E8-61CC-4603-A589-7422A47A8E4A}"/>
+      <thm15:themeFamily xmlns="" xmlns:thm15="http://schemas.microsoft.com/office/thememl/2012/main" name="Office Theme" id="{62F939B6-93AF-4DB8-9C6B-D6C7DFDC589F}" vid="{4A3C46E8-61CC-4603-A589-7422A47A8E4A}"/>
     </a:ext>
   </a:extLst>
 </a:theme>
